--- a/webpack.pptx
+++ b/webpack.pptx
@@ -12,11 +12,15 @@
     <p:sldId id="262" r:id="rId7"/>
     <p:sldId id="263" r:id="rId8"/>
     <p:sldId id="264" r:id="rId9"/>
-    <p:sldId id="265" r:id="rId10"/>
-    <p:sldId id="266" r:id="rId11"/>
-    <p:sldId id="268" r:id="rId12"/>
-    <p:sldId id="269" r:id="rId13"/>
-    <p:sldId id="270" r:id="rId14"/>
+    <p:sldId id="271" r:id="rId10"/>
+    <p:sldId id="265" r:id="rId11"/>
+    <p:sldId id="266" r:id="rId12"/>
+    <p:sldId id="274" r:id="rId13"/>
+    <p:sldId id="268" r:id="rId14"/>
+    <p:sldId id="269" r:id="rId15"/>
+    <p:sldId id="270" r:id="rId16"/>
+    <p:sldId id="272" r:id="rId17"/>
+    <p:sldId id="276" r:id="rId18"/>
   </p:sldIdLst>
   <p:sldSz cx="12192000" cy="6858000"/>
   <p:notesSz cx="7103745" cy="10234295"/>
@@ -2671,6 +2675,18 @@
         <p:txBody>
           <a:bodyPr/>
           <a:p>
+            <a:r>
+              <a:rPr lang="zh-CN" altLang="en-US"/>
+              <a:t>平台支持</a:t>
+            </a:r>
+            <a:r>
+              <a:rPr lang="en-US" altLang="zh-CN"/>
+              <a:t>-</a:t>
+            </a:r>
+            <a:r>
+              <a:rPr lang="zh-CN" altLang="en-US"/>
+              <a:t>吴军</a:t>
+            </a:r>
             <a:endParaRPr lang="zh-CN" altLang="en-US"/>
           </a:p>
         </p:txBody>
@@ -2706,15 +2722,739 @@
             <p:ph type="title"/>
           </p:nvPr>
         </p:nvSpPr>
+        <p:spPr>
+          <a:xfrm>
+            <a:off x="838200" y="365125"/>
+            <a:ext cx="10515600" cy="1065530"/>
+          </a:xfrm>
+        </p:spPr>
+        <p:txBody>
+          <a:bodyPr/>
+          <a:p>
+            <a:r>
+              <a:rPr lang="en-US" altLang="zh-CN" sz="2800">
+                <a:latin typeface="+mj-ea"/>
+              </a:rPr>
+              <a:t>Mode</a:t>
+            </a:r>
+            <a:endParaRPr lang="en-US" altLang="zh-CN" sz="2800">
+              <a:latin typeface="+mj-ea"/>
+            </a:endParaRPr>
+          </a:p>
+        </p:txBody>
+      </p:sp>
+      <p:sp>
+        <p:nvSpPr>
+          <p:cNvPr id="3" name="内容占位符 2"/>
+          <p:cNvSpPr>
+            <a:spLocks noGrp="1"/>
+          </p:cNvSpPr>
+          <p:nvPr>
+            <p:ph idx="1"/>
+          </p:nvPr>
+        </p:nvSpPr>
+        <p:spPr>
+          <a:xfrm>
+            <a:off x="838200" y="1156970"/>
+            <a:ext cx="10515600" cy="1216025"/>
+          </a:xfrm>
+        </p:spPr>
+        <p:txBody>
+          <a:bodyPr/>
+          <a:p>
+            <a:pPr fontAlgn="auto">
+              <a:lnSpc>
+                <a:spcPct val="150000"/>
+              </a:lnSpc>
+            </a:pPr>
+            <a:r>
+              <a:rPr lang="zh-CN" altLang="en-US" sz="1800"/>
+              <a:t>Mode ⽤来指定当前的构建环境是：production、development 还是 none</a:t>
+            </a:r>
+            <a:endParaRPr lang="zh-CN" altLang="en-US" sz="1800"/>
+          </a:p>
+          <a:p>
+            <a:pPr fontAlgn="auto">
+              <a:lnSpc>
+                <a:spcPct val="150000"/>
+              </a:lnSpc>
+            </a:pPr>
+            <a:r>
+              <a:rPr lang="zh-CN" altLang="en-US" sz="1800"/>
+              <a:t>设置 mode 可以使⽤ webpack 内置的函数，默认值为 production</a:t>
+            </a:r>
+            <a:endParaRPr lang="zh-CN" altLang="en-US" sz="1800"/>
+          </a:p>
+          <a:p>
+            <a:pPr fontAlgn="auto">
+              <a:lnSpc>
+                <a:spcPct val="150000"/>
+              </a:lnSpc>
+            </a:pPr>
+            <a:endParaRPr lang="zh-CN" altLang="en-US" sz="1800"/>
+          </a:p>
+        </p:txBody>
+      </p:sp>
+      <p:sp>
+        <p:nvSpPr>
+          <p:cNvPr id="7" name="标题 1"/>
+          <p:cNvSpPr>
+            <a:spLocks noGrp="1"/>
+          </p:cNvSpPr>
+          <p:nvPr/>
+        </p:nvSpPr>
+        <p:spPr>
+          <a:xfrm>
+            <a:off x="838200" y="2372995"/>
+            <a:ext cx="10515600" cy="654050"/>
+          </a:xfrm>
+          <a:prstGeom prst="rect">
+            <a:avLst/>
+          </a:prstGeom>
+        </p:spPr>
+        <p:txBody>
+          <a:bodyPr vert="horz" lIns="91440" tIns="45720" rIns="91440" bIns="45720" rtlCol="0" anchor="ctr">
+            <a:normAutofit/>
+          </a:bodyPr>
+          <a:lstStyle>
+            <a:lvl1pPr algn="l" defTabSz="914400" rtl="0" eaLnBrk="1" latinLnBrk="0" hangingPunct="1">
+              <a:lnSpc>
+                <a:spcPct val="90000"/>
+              </a:lnSpc>
+              <a:spcBef>
+                <a:spcPct val="0"/>
+              </a:spcBef>
+              <a:buNone/>
+              <a:defRPr sz="4400" kern="1200">
+                <a:solidFill>
+                  <a:schemeClr val="tx1"/>
+                </a:solidFill>
+                <a:latin typeface="+mj-lt"/>
+                <a:ea typeface="+mj-ea"/>
+                <a:cs typeface="+mj-cs"/>
+              </a:defRPr>
+            </a:lvl1pPr>
+          </a:lstStyle>
+          <a:p>
+            <a:r>
+              <a:rPr lang="en-US" altLang="zh-CN" sz="2800">
+                <a:latin typeface="+mj-ea"/>
+              </a:rPr>
+              <a:t>Module </a:t>
+            </a:r>
+            <a:endParaRPr lang="en-US" altLang="zh-CN" sz="2800">
+              <a:latin typeface="+mj-ea"/>
+            </a:endParaRPr>
+          </a:p>
+        </p:txBody>
+      </p:sp>
+      <p:sp>
+        <p:nvSpPr>
+          <p:cNvPr id="8" name="内容占位符 2"/>
+          <p:cNvSpPr>
+            <a:spLocks noGrp="1"/>
+          </p:cNvSpPr>
+          <p:nvPr/>
+        </p:nvSpPr>
+        <p:spPr>
+          <a:xfrm>
+            <a:off x="838200" y="3027045"/>
+            <a:ext cx="10515600" cy="1243330"/>
+          </a:xfrm>
+          <a:prstGeom prst="rect">
+            <a:avLst/>
+          </a:prstGeom>
+        </p:spPr>
+        <p:txBody>
+          <a:bodyPr vert="horz" lIns="91440" tIns="45720" rIns="91440" bIns="45720" rtlCol="0">
+            <a:normAutofit/>
+          </a:bodyPr>
+          <a:lstStyle>
+            <a:lvl1pPr marL="228600" indent="-228600" algn="l" defTabSz="914400" rtl="0" eaLnBrk="1" latinLnBrk="0" hangingPunct="1">
+              <a:lnSpc>
+                <a:spcPct val="90000"/>
+              </a:lnSpc>
+              <a:spcBef>
+                <a:spcPts val="1000"/>
+              </a:spcBef>
+              <a:buFont typeface="Arial" panose="020B0604020202090204" pitchFamily="34" charset="0"/>
+              <a:buChar char="•"/>
+              <a:defRPr sz="2800" kern="1200">
+                <a:solidFill>
+                  <a:schemeClr val="tx1"/>
+                </a:solidFill>
+                <a:latin typeface="+mn-lt"/>
+                <a:ea typeface="+mn-ea"/>
+                <a:cs typeface="+mn-cs"/>
+              </a:defRPr>
+            </a:lvl1pPr>
+            <a:lvl2pPr marL="685800" indent="-228600" algn="l" defTabSz="914400" rtl="0" eaLnBrk="1" latinLnBrk="0" hangingPunct="1">
+              <a:lnSpc>
+                <a:spcPct val="90000"/>
+              </a:lnSpc>
+              <a:spcBef>
+                <a:spcPts val="500"/>
+              </a:spcBef>
+              <a:buFont typeface="Arial" panose="020B0604020202090204" pitchFamily="34" charset="0"/>
+              <a:buChar char="•"/>
+              <a:defRPr sz="2400" kern="1200">
+                <a:solidFill>
+                  <a:schemeClr val="tx1"/>
+                </a:solidFill>
+                <a:latin typeface="+mn-lt"/>
+                <a:ea typeface="+mn-ea"/>
+                <a:cs typeface="+mn-cs"/>
+              </a:defRPr>
+            </a:lvl2pPr>
+            <a:lvl3pPr marL="1143000" indent="-228600" algn="l" defTabSz="914400" rtl="0" eaLnBrk="1" latinLnBrk="0" hangingPunct="1">
+              <a:lnSpc>
+                <a:spcPct val="90000"/>
+              </a:lnSpc>
+              <a:spcBef>
+                <a:spcPts val="500"/>
+              </a:spcBef>
+              <a:buFont typeface="Arial" panose="020B0604020202090204" pitchFamily="34" charset="0"/>
+              <a:buChar char="•"/>
+              <a:defRPr sz="2000" kern="1200">
+                <a:solidFill>
+                  <a:schemeClr val="tx1"/>
+                </a:solidFill>
+                <a:latin typeface="+mn-lt"/>
+                <a:ea typeface="+mn-ea"/>
+                <a:cs typeface="+mn-cs"/>
+              </a:defRPr>
+            </a:lvl3pPr>
+            <a:lvl4pPr marL="1600200" indent="-228600" algn="l" defTabSz="914400" rtl="0" eaLnBrk="1" latinLnBrk="0" hangingPunct="1">
+              <a:lnSpc>
+                <a:spcPct val="90000"/>
+              </a:lnSpc>
+              <a:spcBef>
+                <a:spcPts val="500"/>
+              </a:spcBef>
+              <a:buFont typeface="Arial" panose="020B0604020202090204" pitchFamily="34" charset="0"/>
+              <a:buChar char="•"/>
+              <a:defRPr sz="1800" kern="1200">
+                <a:solidFill>
+                  <a:schemeClr val="tx1"/>
+                </a:solidFill>
+                <a:latin typeface="+mn-lt"/>
+                <a:ea typeface="+mn-ea"/>
+                <a:cs typeface="+mn-cs"/>
+              </a:defRPr>
+            </a:lvl4pPr>
+            <a:lvl5pPr marL="2057400" indent="-228600" algn="l" defTabSz="914400" rtl="0" eaLnBrk="1" latinLnBrk="0" hangingPunct="1">
+              <a:lnSpc>
+                <a:spcPct val="90000"/>
+              </a:lnSpc>
+              <a:spcBef>
+                <a:spcPts val="500"/>
+              </a:spcBef>
+              <a:buFont typeface="Arial" panose="020B0604020202090204" pitchFamily="34" charset="0"/>
+              <a:buChar char="•"/>
+              <a:defRPr sz="1800" kern="1200">
+                <a:solidFill>
+                  <a:schemeClr val="tx1"/>
+                </a:solidFill>
+                <a:latin typeface="+mn-lt"/>
+                <a:ea typeface="+mn-ea"/>
+                <a:cs typeface="+mn-cs"/>
+              </a:defRPr>
+            </a:lvl5pPr>
+            <a:lvl6pPr marL="2514600" indent="-228600" algn="l" defTabSz="914400" rtl="0" eaLnBrk="1" latinLnBrk="0" hangingPunct="1">
+              <a:lnSpc>
+                <a:spcPct val="90000"/>
+              </a:lnSpc>
+              <a:spcBef>
+                <a:spcPts val="500"/>
+              </a:spcBef>
+              <a:buFont typeface="Arial" panose="020B0604020202090204" pitchFamily="34" charset="0"/>
+              <a:buChar char="•"/>
+              <a:defRPr sz="1800" kern="1200">
+                <a:solidFill>
+                  <a:schemeClr val="tx1"/>
+                </a:solidFill>
+                <a:latin typeface="+mn-lt"/>
+                <a:ea typeface="+mn-ea"/>
+                <a:cs typeface="+mn-cs"/>
+              </a:defRPr>
+            </a:lvl6pPr>
+            <a:lvl7pPr marL="2971800" indent="-228600" algn="l" defTabSz="914400" rtl="0" eaLnBrk="1" latinLnBrk="0" hangingPunct="1">
+              <a:lnSpc>
+                <a:spcPct val="90000"/>
+              </a:lnSpc>
+              <a:spcBef>
+                <a:spcPts val="500"/>
+              </a:spcBef>
+              <a:buFont typeface="Arial" panose="020B0604020202090204" pitchFamily="34" charset="0"/>
+              <a:buChar char="•"/>
+              <a:defRPr sz="1800" kern="1200">
+                <a:solidFill>
+                  <a:schemeClr val="tx1"/>
+                </a:solidFill>
+                <a:latin typeface="+mn-lt"/>
+                <a:ea typeface="+mn-ea"/>
+                <a:cs typeface="+mn-cs"/>
+              </a:defRPr>
+            </a:lvl7pPr>
+            <a:lvl8pPr marL="3429000" indent="-228600" algn="l" defTabSz="914400" rtl="0" eaLnBrk="1" latinLnBrk="0" hangingPunct="1">
+              <a:lnSpc>
+                <a:spcPct val="90000"/>
+              </a:lnSpc>
+              <a:spcBef>
+                <a:spcPts val="500"/>
+              </a:spcBef>
+              <a:buFont typeface="Arial" panose="020B0604020202090204" pitchFamily="34" charset="0"/>
+              <a:buChar char="•"/>
+              <a:defRPr sz="1800" kern="1200">
+                <a:solidFill>
+                  <a:schemeClr val="tx1"/>
+                </a:solidFill>
+                <a:latin typeface="+mn-lt"/>
+                <a:ea typeface="+mn-ea"/>
+                <a:cs typeface="+mn-cs"/>
+              </a:defRPr>
+            </a:lvl8pPr>
+            <a:lvl9pPr marL="3886200" indent="-228600" algn="l" defTabSz="914400" rtl="0" eaLnBrk="1" latinLnBrk="0" hangingPunct="1">
+              <a:lnSpc>
+                <a:spcPct val="90000"/>
+              </a:lnSpc>
+              <a:spcBef>
+                <a:spcPts val="500"/>
+              </a:spcBef>
+              <a:buFont typeface="Arial" panose="020B0604020202090204" pitchFamily="34" charset="0"/>
+              <a:buChar char="•"/>
+              <a:defRPr sz="1800" kern="1200">
+                <a:solidFill>
+                  <a:schemeClr val="tx1"/>
+                </a:solidFill>
+                <a:latin typeface="+mn-lt"/>
+                <a:ea typeface="+mn-ea"/>
+                <a:cs typeface="+mn-cs"/>
+              </a:defRPr>
+            </a:lvl9pPr>
+          </a:lstStyle>
+          <a:p>
+            <a:pPr fontAlgn="auto">
+              <a:lnSpc>
+                <a:spcPct val="150000"/>
+              </a:lnSpc>
+            </a:pPr>
+            <a:r>
+              <a:rPr lang="zh-CN" altLang="en-US" sz="1800"/>
+              <a:t>Mode ⽤来指定当前的构建环境是：production、development 还是 none</a:t>
+            </a:r>
+            <a:endParaRPr lang="zh-CN" altLang="en-US" sz="1800"/>
+          </a:p>
+          <a:p>
+            <a:pPr fontAlgn="auto">
+              <a:lnSpc>
+                <a:spcPct val="150000"/>
+              </a:lnSpc>
+            </a:pPr>
+            <a:r>
+              <a:rPr lang="zh-CN" altLang="en-US" sz="1800"/>
+              <a:t>设置 mode 可以使⽤ webpack 内置的函数，默认值为 production</a:t>
+            </a:r>
+            <a:endParaRPr lang="zh-CN" altLang="en-US" sz="1800"/>
+          </a:p>
+          <a:p>
+            <a:pPr fontAlgn="auto">
+              <a:lnSpc>
+                <a:spcPct val="150000"/>
+              </a:lnSpc>
+            </a:pPr>
+            <a:endParaRPr lang="zh-CN" altLang="en-US" sz="1800"/>
+          </a:p>
+        </p:txBody>
+      </p:sp>
+      <p:sp>
+        <p:nvSpPr>
+          <p:cNvPr id="9" name="标题 1"/>
+          <p:cNvSpPr>
+            <a:spLocks noGrp="1"/>
+          </p:cNvSpPr>
+          <p:nvPr/>
+        </p:nvSpPr>
+        <p:spPr>
+          <a:xfrm>
+            <a:off x="838200" y="4362450"/>
+            <a:ext cx="10515600" cy="654050"/>
+          </a:xfrm>
+          <a:prstGeom prst="rect">
+            <a:avLst/>
+          </a:prstGeom>
+        </p:spPr>
+        <p:txBody>
+          <a:bodyPr vert="horz" lIns="91440" tIns="45720" rIns="91440" bIns="45720" rtlCol="0" anchor="ctr">
+            <a:normAutofit/>
+          </a:bodyPr>
+          <a:lstStyle>
+            <a:lvl1pPr algn="l" defTabSz="914400" rtl="0" eaLnBrk="1" latinLnBrk="0" hangingPunct="1">
+              <a:lnSpc>
+                <a:spcPct val="90000"/>
+              </a:lnSpc>
+              <a:spcBef>
+                <a:spcPct val="0"/>
+              </a:spcBef>
+              <a:buNone/>
+              <a:defRPr sz="4400" kern="1200">
+                <a:solidFill>
+                  <a:schemeClr val="tx1"/>
+                </a:solidFill>
+                <a:latin typeface="+mj-lt"/>
+                <a:ea typeface="+mj-ea"/>
+                <a:cs typeface="+mj-cs"/>
+              </a:defRPr>
+            </a:lvl1pPr>
+          </a:lstStyle>
+          <a:p>
+            <a:r>
+              <a:rPr lang="en-US" altLang="zh-CN" sz="2800">
+                <a:latin typeface="+mj-ea"/>
+              </a:rPr>
+              <a:t>Chunk</a:t>
+            </a:r>
+            <a:endParaRPr lang="en-US" altLang="zh-CN" sz="2800">
+              <a:latin typeface="+mj-ea"/>
+            </a:endParaRPr>
+          </a:p>
+        </p:txBody>
+      </p:sp>
+      <p:sp>
+        <p:nvSpPr>
+          <p:cNvPr id="10" name="内容占位符 2"/>
+          <p:cNvSpPr>
+            <a:spLocks noGrp="1"/>
+          </p:cNvSpPr>
+          <p:nvPr/>
+        </p:nvSpPr>
+        <p:spPr>
+          <a:xfrm>
+            <a:off x="838200" y="5207635"/>
+            <a:ext cx="10515600" cy="1243330"/>
+          </a:xfrm>
+          <a:prstGeom prst="rect">
+            <a:avLst/>
+          </a:prstGeom>
+        </p:spPr>
+        <p:txBody>
+          <a:bodyPr vert="horz" lIns="91440" tIns="45720" rIns="91440" bIns="45720" rtlCol="0">
+            <a:normAutofit/>
+          </a:bodyPr>
+          <a:lstStyle>
+            <a:lvl1pPr marL="228600" indent="-228600" algn="l" defTabSz="914400" rtl="0" eaLnBrk="1" latinLnBrk="0" hangingPunct="1">
+              <a:lnSpc>
+                <a:spcPct val="90000"/>
+              </a:lnSpc>
+              <a:spcBef>
+                <a:spcPts val="1000"/>
+              </a:spcBef>
+              <a:buFont typeface="Arial" panose="020B0604020202090204" pitchFamily="34" charset="0"/>
+              <a:buChar char="•"/>
+              <a:defRPr sz="2800" kern="1200">
+                <a:solidFill>
+                  <a:schemeClr val="tx1"/>
+                </a:solidFill>
+                <a:latin typeface="+mn-lt"/>
+                <a:ea typeface="+mn-ea"/>
+                <a:cs typeface="+mn-cs"/>
+              </a:defRPr>
+            </a:lvl1pPr>
+            <a:lvl2pPr marL="685800" indent="-228600" algn="l" defTabSz="914400" rtl="0" eaLnBrk="1" latinLnBrk="0" hangingPunct="1">
+              <a:lnSpc>
+                <a:spcPct val="90000"/>
+              </a:lnSpc>
+              <a:spcBef>
+                <a:spcPts val="500"/>
+              </a:spcBef>
+              <a:buFont typeface="Arial" panose="020B0604020202090204" pitchFamily="34" charset="0"/>
+              <a:buChar char="•"/>
+              <a:defRPr sz="2400" kern="1200">
+                <a:solidFill>
+                  <a:schemeClr val="tx1"/>
+                </a:solidFill>
+                <a:latin typeface="+mn-lt"/>
+                <a:ea typeface="+mn-ea"/>
+                <a:cs typeface="+mn-cs"/>
+              </a:defRPr>
+            </a:lvl2pPr>
+            <a:lvl3pPr marL="1143000" indent="-228600" algn="l" defTabSz="914400" rtl="0" eaLnBrk="1" latinLnBrk="0" hangingPunct="1">
+              <a:lnSpc>
+                <a:spcPct val="90000"/>
+              </a:lnSpc>
+              <a:spcBef>
+                <a:spcPts val="500"/>
+              </a:spcBef>
+              <a:buFont typeface="Arial" panose="020B0604020202090204" pitchFamily="34" charset="0"/>
+              <a:buChar char="•"/>
+              <a:defRPr sz="2000" kern="1200">
+                <a:solidFill>
+                  <a:schemeClr val="tx1"/>
+                </a:solidFill>
+                <a:latin typeface="+mn-lt"/>
+                <a:ea typeface="+mn-ea"/>
+                <a:cs typeface="+mn-cs"/>
+              </a:defRPr>
+            </a:lvl3pPr>
+            <a:lvl4pPr marL="1600200" indent="-228600" algn="l" defTabSz="914400" rtl="0" eaLnBrk="1" latinLnBrk="0" hangingPunct="1">
+              <a:lnSpc>
+                <a:spcPct val="90000"/>
+              </a:lnSpc>
+              <a:spcBef>
+                <a:spcPts val="500"/>
+              </a:spcBef>
+              <a:buFont typeface="Arial" panose="020B0604020202090204" pitchFamily="34" charset="0"/>
+              <a:buChar char="•"/>
+              <a:defRPr sz="1800" kern="1200">
+                <a:solidFill>
+                  <a:schemeClr val="tx1"/>
+                </a:solidFill>
+                <a:latin typeface="+mn-lt"/>
+                <a:ea typeface="+mn-ea"/>
+                <a:cs typeface="+mn-cs"/>
+              </a:defRPr>
+            </a:lvl4pPr>
+            <a:lvl5pPr marL="2057400" indent="-228600" algn="l" defTabSz="914400" rtl="0" eaLnBrk="1" latinLnBrk="0" hangingPunct="1">
+              <a:lnSpc>
+                <a:spcPct val="90000"/>
+              </a:lnSpc>
+              <a:spcBef>
+                <a:spcPts val="500"/>
+              </a:spcBef>
+              <a:buFont typeface="Arial" panose="020B0604020202090204" pitchFamily="34" charset="0"/>
+              <a:buChar char="•"/>
+              <a:defRPr sz="1800" kern="1200">
+                <a:solidFill>
+                  <a:schemeClr val="tx1"/>
+                </a:solidFill>
+                <a:latin typeface="+mn-lt"/>
+                <a:ea typeface="+mn-ea"/>
+                <a:cs typeface="+mn-cs"/>
+              </a:defRPr>
+            </a:lvl5pPr>
+            <a:lvl6pPr marL="2514600" indent="-228600" algn="l" defTabSz="914400" rtl="0" eaLnBrk="1" latinLnBrk="0" hangingPunct="1">
+              <a:lnSpc>
+                <a:spcPct val="90000"/>
+              </a:lnSpc>
+              <a:spcBef>
+                <a:spcPts val="500"/>
+              </a:spcBef>
+              <a:buFont typeface="Arial" panose="020B0604020202090204" pitchFamily="34" charset="0"/>
+              <a:buChar char="•"/>
+              <a:defRPr sz="1800" kern="1200">
+                <a:solidFill>
+                  <a:schemeClr val="tx1"/>
+                </a:solidFill>
+                <a:latin typeface="+mn-lt"/>
+                <a:ea typeface="+mn-ea"/>
+                <a:cs typeface="+mn-cs"/>
+              </a:defRPr>
+            </a:lvl6pPr>
+            <a:lvl7pPr marL="2971800" indent="-228600" algn="l" defTabSz="914400" rtl="0" eaLnBrk="1" latinLnBrk="0" hangingPunct="1">
+              <a:lnSpc>
+                <a:spcPct val="90000"/>
+              </a:lnSpc>
+              <a:spcBef>
+                <a:spcPts val="500"/>
+              </a:spcBef>
+              <a:buFont typeface="Arial" panose="020B0604020202090204" pitchFamily="34" charset="0"/>
+              <a:buChar char="•"/>
+              <a:defRPr sz="1800" kern="1200">
+                <a:solidFill>
+                  <a:schemeClr val="tx1"/>
+                </a:solidFill>
+                <a:latin typeface="+mn-lt"/>
+                <a:ea typeface="+mn-ea"/>
+                <a:cs typeface="+mn-cs"/>
+              </a:defRPr>
+            </a:lvl7pPr>
+            <a:lvl8pPr marL="3429000" indent="-228600" algn="l" defTabSz="914400" rtl="0" eaLnBrk="1" latinLnBrk="0" hangingPunct="1">
+              <a:lnSpc>
+                <a:spcPct val="90000"/>
+              </a:lnSpc>
+              <a:spcBef>
+                <a:spcPts val="500"/>
+              </a:spcBef>
+              <a:buFont typeface="Arial" panose="020B0604020202090204" pitchFamily="34" charset="0"/>
+              <a:buChar char="•"/>
+              <a:defRPr sz="1800" kern="1200">
+                <a:solidFill>
+                  <a:schemeClr val="tx1"/>
+                </a:solidFill>
+                <a:latin typeface="+mn-lt"/>
+                <a:ea typeface="+mn-ea"/>
+                <a:cs typeface="+mn-cs"/>
+              </a:defRPr>
+            </a:lvl8pPr>
+            <a:lvl9pPr marL="3886200" indent="-228600" algn="l" defTabSz="914400" rtl="0" eaLnBrk="1" latinLnBrk="0" hangingPunct="1">
+              <a:lnSpc>
+                <a:spcPct val="90000"/>
+              </a:lnSpc>
+              <a:spcBef>
+                <a:spcPts val="500"/>
+              </a:spcBef>
+              <a:buFont typeface="Arial" panose="020B0604020202090204" pitchFamily="34" charset="0"/>
+              <a:buChar char="•"/>
+              <a:defRPr sz="1800" kern="1200">
+                <a:solidFill>
+                  <a:schemeClr val="tx1"/>
+                </a:solidFill>
+                <a:latin typeface="+mn-lt"/>
+                <a:ea typeface="+mn-ea"/>
+                <a:cs typeface="+mn-cs"/>
+              </a:defRPr>
+            </a:lvl9pPr>
+          </a:lstStyle>
+          <a:p>
+            <a:pPr fontAlgn="auto">
+              <a:lnSpc>
+                <a:spcPct val="150000"/>
+              </a:lnSpc>
+            </a:pPr>
+            <a:r>
+              <a:rPr lang="zh-CN" altLang="en-US" sz="1800"/>
+              <a:t>代码块，一个 Chunk 由多个模块组合而成，用于代码合并与分割。</a:t>
+            </a:r>
+            <a:endParaRPr lang="zh-CN" altLang="en-US" sz="1800"/>
+          </a:p>
+          <a:p>
+            <a:pPr fontAlgn="auto">
+              <a:lnSpc>
+                <a:spcPct val="150000"/>
+              </a:lnSpc>
+            </a:pPr>
+            <a:endParaRPr lang="zh-CN" altLang="en-US" sz="1800"/>
+          </a:p>
+        </p:txBody>
+      </p:sp>
+    </p:spTree>
+  </p:cSld>
+  <p:clrMapOvr>
+    <a:masterClrMapping/>
+  </p:clrMapOvr>
+</p:sld>
+</file>
+
+<file path=ppt/slides/slide11.xml><?xml version="1.0" encoding="utf-8"?>
+<p:sld xmlns:a="http://schemas.openxmlformats.org/drawingml/2006/main" xmlns:r="http://schemas.openxmlformats.org/officeDocument/2006/relationships" xmlns:p="http://schemas.openxmlformats.org/presentationml/2006/main">
+  <p:cSld>
+    <p:spTree>
+      <p:nvGrpSpPr>
+        <p:cNvPr id="1" name=""/>
+        <p:cNvGrpSpPr/>
+        <p:nvPr/>
+      </p:nvGrpSpPr>
+      <p:grpSpPr/>
+      <p:sp>
+        <p:nvSpPr>
+          <p:cNvPr id="2" name="标题 1"/>
+          <p:cNvSpPr>
+            <a:spLocks noGrp="1"/>
+          </p:cNvSpPr>
+          <p:nvPr>
+            <p:ph type="title"/>
+          </p:nvPr>
+        </p:nvSpPr>
         <p:spPr/>
         <p:txBody>
           <a:bodyPr/>
           <a:p>
             <a:r>
-              <a:rPr lang="zh-CN" altLang="en-US"/>
+              <a:rPr lang="zh-CN" altLang="en-US" sz="2800"/>
+              <a:t>⽂文件指纹</a:t>
+            </a:r>
+            <a:endParaRPr lang="zh-CN" altLang="en-US" sz="2800"/>
+          </a:p>
+        </p:txBody>
+      </p:sp>
+      <p:sp>
+        <p:nvSpPr>
+          <p:cNvPr id="3" name="内容占位符 2"/>
+          <p:cNvSpPr>
+            <a:spLocks noGrp="1"/>
+          </p:cNvSpPr>
+          <p:nvPr>
+            <p:ph idx="1"/>
+          </p:nvPr>
+        </p:nvSpPr>
+        <p:spPr/>
+        <p:txBody>
+          <a:bodyPr/>
+          <a:p>
+            <a:pPr fontAlgn="auto">
+              <a:lnSpc>
+                <a:spcPct val="200000"/>
+              </a:lnSpc>
+            </a:pPr>
+            <a:r>
+              <a:rPr lang="zh-CN" altLang="en-US" sz="1800"/>
+              <a:t>Hash:和整个项⽬目的构建相关，只要项⽬目⽂文件有修改，整个项⽬目构建的 hash 值就会更更改 </a:t>
+            </a:r>
+            <a:endParaRPr lang="zh-CN" altLang="en-US" sz="1800"/>
+          </a:p>
+          <a:p>
+            <a:pPr fontAlgn="auto">
+              <a:lnSpc>
+                <a:spcPct val="200000"/>
+              </a:lnSpc>
+            </a:pPr>
+            <a:r>
+              <a:rPr lang="zh-CN" altLang="en-US" sz="1800"/>
+              <a:t>Chunkhash:和 webpack 打包的 chunk 有关，不不同的 entry 会⽣生成不不同的 chunkhash 值 </a:t>
+            </a:r>
+            <a:endParaRPr lang="zh-CN" altLang="en-US" sz="1800"/>
+          </a:p>
+          <a:p>
+            <a:pPr fontAlgn="auto">
+              <a:lnSpc>
+                <a:spcPct val="200000"/>
+              </a:lnSpc>
+            </a:pPr>
+            <a:r>
+              <a:rPr lang="zh-CN" altLang="en-US" sz="1800"/>
+              <a:t>Contenthash:根据⽂文件内容来定义 hash ，⽂文件内容不不变，则 contenthash 不不变</a:t>
+            </a:r>
+            <a:endParaRPr lang="zh-CN" altLang="en-US" sz="1800"/>
+          </a:p>
+        </p:txBody>
+      </p:sp>
+    </p:spTree>
+  </p:cSld>
+  <p:clrMapOvr>
+    <a:masterClrMapping/>
+  </p:clrMapOvr>
+</p:sld>
+</file>
+
+<file path=ppt/slides/slide12.xml><?xml version="1.0" encoding="utf-8"?>
+<p:sld xmlns:a="http://schemas.openxmlformats.org/drawingml/2006/main" xmlns:r="http://schemas.openxmlformats.org/officeDocument/2006/relationships" xmlns:p="http://schemas.openxmlformats.org/presentationml/2006/main">
+  <p:cSld>
+    <p:spTree>
+      <p:nvGrpSpPr>
+        <p:cNvPr id="1" name=""/>
+        <p:cNvGrpSpPr/>
+        <p:nvPr/>
+      </p:nvGrpSpPr>
+      <p:grpSpPr/>
+      <p:sp>
+        <p:nvSpPr>
+          <p:cNvPr id="2" name="标题 1"/>
+          <p:cNvSpPr>
+            <a:spLocks noGrp="1"/>
+          </p:cNvSpPr>
+          <p:nvPr>
+            <p:ph type="title"/>
+          </p:nvPr>
+        </p:nvSpPr>
+        <p:spPr/>
+        <p:txBody>
+          <a:bodyPr/>
+          <a:p>
+            <a:r>
+              <a:rPr lang="zh-CN" altLang="en-US" sz="2800"/>
               <a:t>提升 webpack 的构建速度</a:t>
             </a:r>
-            <a:endParaRPr lang="zh-CN" altLang="en-US"/>
+            <a:endParaRPr lang="zh-CN" altLang="en-US" sz="2800"/>
           </a:p>
         </p:txBody>
       </p:sp>
@@ -2731,146 +3471,206 @@
         <p:spPr/>
         <p:txBody>
           <a:bodyPr>
-            <a:normAutofit fontScale="60000"/>
+            <a:normAutofit/>
           </a:bodyPr>
           <a:p>
             <a:r>
-              <a:rPr lang="en-US" altLang="zh-CN"/>
+              <a:rPr lang="en-US" altLang="zh-CN" sz="1800">
+                <a:latin typeface="+mj-ea"/>
+              </a:rPr>
               <a:t>1</a:t>
             </a:r>
             <a:r>
-              <a:rPr lang="zh-CN" altLang="en-US"/>
+              <a:rPr lang="zh-CN" altLang="en-US" sz="1800">
+                <a:latin typeface="+mj-ea"/>
+              </a:rPr>
               <a:t>、减少 resolve 的解析</a:t>
             </a:r>
-            <a:endParaRPr lang="zh-CN" altLang="en-US"/>
+            <a:endParaRPr lang="zh-CN" altLang="en-US" sz="1800">
+              <a:latin typeface="+mj-ea"/>
+            </a:endParaRPr>
           </a:p>
           <a:p>
             <a:pPr marL="0" indent="0">
               <a:buNone/>
             </a:pPr>
             <a:r>
-              <a:rPr lang="zh-CN" altLang="en-US"/>
+              <a:rPr lang="zh-CN" altLang="en-US" sz="1800">
+                <a:latin typeface="+mj-ea"/>
+              </a:rPr>
               <a:t>    解析相对路径</a:t>
             </a:r>
-            <a:endParaRPr lang="zh-CN" altLang="en-US"/>
+            <a:endParaRPr lang="zh-CN" altLang="en-US" sz="1800">
+              <a:latin typeface="+mj-ea"/>
+            </a:endParaRPr>
           </a:p>
           <a:p>
             <a:pPr marL="0" indent="0">
               <a:buNone/>
             </a:pPr>
             <a:r>
-              <a:rPr lang="en-US" altLang="zh-CN"/>
+              <a:rPr lang="en-US" altLang="zh-CN" sz="1800">
+                <a:latin typeface="+mj-ea"/>
+              </a:rPr>
               <a:t>	</a:t>
             </a:r>
             <a:r>
-              <a:rPr lang="zh-CN" altLang="en-US"/>
+              <a:rPr lang="zh-CN" altLang="en-US" sz="1800">
+                <a:latin typeface="+mj-ea"/>
+              </a:rPr>
               <a:t>查找相对当前模块的路径下是否有对应文件或文件夹</a:t>
             </a:r>
-            <a:endParaRPr lang="zh-CN" altLang="en-US"/>
+            <a:endParaRPr lang="zh-CN" altLang="en-US" sz="1800">
+              <a:latin typeface="+mj-ea"/>
+            </a:endParaRPr>
           </a:p>
           <a:p>
             <a:pPr marL="0" indent="0">
               <a:buNone/>
             </a:pPr>
             <a:r>
-              <a:rPr lang="en-US" altLang="zh-CN"/>
+              <a:rPr lang="en-US" altLang="zh-CN" sz="1800">
+                <a:latin typeface="+mj-ea"/>
+              </a:rPr>
               <a:t>	</a:t>
             </a:r>
             <a:r>
-              <a:rPr lang="zh-CN" altLang="en-US"/>
+              <a:rPr lang="zh-CN" altLang="en-US" sz="1800">
+                <a:latin typeface="+mj-ea"/>
+              </a:rPr>
               <a:t>是文件则直接加载</a:t>
             </a:r>
-            <a:endParaRPr lang="zh-CN" altLang="en-US"/>
+            <a:endParaRPr lang="zh-CN" altLang="en-US" sz="1800">
+              <a:latin typeface="+mj-ea"/>
+            </a:endParaRPr>
           </a:p>
           <a:p>
             <a:pPr marL="0" indent="0">
               <a:buNone/>
             </a:pPr>
             <a:r>
-              <a:rPr lang="en-US" altLang="zh-CN"/>
+              <a:rPr lang="en-US" altLang="zh-CN" sz="1800">
+                <a:latin typeface="+mj-ea"/>
+              </a:rPr>
               <a:t>	</a:t>
             </a:r>
             <a:r>
-              <a:rPr lang="zh-CN" altLang="en-US"/>
+              <a:rPr lang="zh-CN" altLang="en-US" sz="1800">
+                <a:latin typeface="+mj-ea"/>
+              </a:rPr>
               <a:t>是文件夹则继续查找文件夹下的 package.json 文件</a:t>
             </a:r>
-            <a:endParaRPr lang="zh-CN" altLang="en-US"/>
+            <a:endParaRPr lang="zh-CN" altLang="en-US" sz="1800">
+              <a:latin typeface="+mj-ea"/>
+            </a:endParaRPr>
           </a:p>
           <a:p>
             <a:pPr marL="0" indent="0">
               <a:buNone/>
             </a:pPr>
             <a:r>
-              <a:rPr lang="en-US" altLang="zh-CN"/>
+              <a:rPr lang="en-US" altLang="zh-CN" sz="1800">
+                <a:latin typeface="+mj-ea"/>
+              </a:rPr>
               <a:t>	</a:t>
             </a:r>
             <a:r>
-              <a:rPr lang="zh-CN" altLang="en-US"/>
+              <a:rPr lang="zh-CN" altLang="en-US" sz="1800">
+                <a:latin typeface="+mj-ea"/>
+              </a:rPr>
               <a:t>有 package.json 文件则按照文件中 main 字段的文件名来查找文件</a:t>
             </a:r>
-            <a:endParaRPr lang="zh-CN" altLang="en-US"/>
+            <a:endParaRPr lang="zh-CN" altLang="en-US" sz="1800">
+              <a:latin typeface="+mj-ea"/>
+            </a:endParaRPr>
           </a:p>
           <a:p>
             <a:pPr marL="0" indent="0">
               <a:buNone/>
             </a:pPr>
             <a:r>
-              <a:rPr lang="en-US" altLang="zh-CN"/>
+              <a:rPr lang="en-US" altLang="zh-CN" sz="1800">
+                <a:latin typeface="+mj-ea"/>
+              </a:rPr>
               <a:t>	</a:t>
             </a:r>
             <a:r>
-              <a:rPr lang="zh-CN" altLang="en-US"/>
+              <a:rPr lang="zh-CN" altLang="en-US" sz="1800">
+                <a:latin typeface="+mj-ea"/>
+              </a:rPr>
               <a:t>无 package.json 或者无 main 字段则查找 index.js 文件</a:t>
             </a:r>
-            <a:endParaRPr lang="zh-CN" altLang="en-US"/>
+            <a:endParaRPr lang="zh-CN" altLang="en-US" sz="1800">
+              <a:latin typeface="+mj-ea"/>
+            </a:endParaRPr>
           </a:p>
           <a:p>
             <a:pPr marL="0" indent="0">
               <a:buNone/>
             </a:pPr>
             <a:r>
-              <a:rPr lang="zh-CN" altLang="en-US"/>
+              <a:rPr lang="zh-CN" altLang="en-US" sz="1800">
+                <a:latin typeface="+mj-ea"/>
+              </a:rPr>
               <a:t>    解析模块名</a:t>
             </a:r>
-            <a:endParaRPr lang="zh-CN" altLang="en-US"/>
+            <a:endParaRPr lang="zh-CN" altLang="en-US" sz="1800">
+              <a:latin typeface="+mj-ea"/>
+            </a:endParaRPr>
           </a:p>
           <a:p>
             <a:pPr marL="0" indent="0">
               <a:buNone/>
             </a:pPr>
             <a:r>
-              <a:rPr lang="en-US" altLang="zh-CN"/>
+              <a:rPr lang="en-US" altLang="zh-CN" sz="1800">
+                <a:latin typeface="+mj-ea"/>
+              </a:rPr>
               <a:t>	</a:t>
             </a:r>
             <a:r>
-              <a:rPr lang="zh-CN" altLang="en-US"/>
+              <a:rPr lang="zh-CN" altLang="en-US" sz="1800">
+                <a:latin typeface="+mj-ea"/>
+              </a:rPr>
               <a:t>查找当前文件目录下，父级目录及以上目录下的 node_modules 文件夹，看是否有对应名称的模块</a:t>
             </a:r>
-            <a:endParaRPr lang="zh-CN" altLang="en-US"/>
+            <a:endParaRPr lang="zh-CN" altLang="en-US" sz="1800">
+              <a:latin typeface="+mj-ea"/>
+            </a:endParaRPr>
           </a:p>
           <a:p>
             <a:pPr marL="0" indent="0">
               <a:buNone/>
             </a:pPr>
             <a:r>
-              <a:rPr lang="zh-CN" altLang="en-US"/>
+              <a:rPr lang="zh-CN" altLang="en-US" sz="1800">
+                <a:latin typeface="+mj-ea"/>
+              </a:rPr>
               <a:t>    解析绝对路径（不建议使用）</a:t>
             </a:r>
-            <a:endParaRPr lang="zh-CN" altLang="en-US"/>
+            <a:endParaRPr lang="zh-CN" altLang="en-US" sz="1800">
+              <a:latin typeface="+mj-ea"/>
+            </a:endParaRPr>
           </a:p>
           <a:p>
             <a:pPr marL="0" indent="0">
               <a:buNone/>
             </a:pPr>
             <a:r>
-              <a:rPr lang="en-US" altLang="zh-CN"/>
+              <a:rPr lang="en-US" altLang="zh-CN" sz="1800">
+                <a:latin typeface="+mj-ea"/>
+              </a:rPr>
               <a:t>	</a:t>
             </a:r>
             <a:r>
-              <a:rPr lang="zh-CN" altLang="en-US"/>
+              <a:rPr lang="zh-CN" altLang="en-US" sz="1800">
+                <a:latin typeface="+mj-ea"/>
+              </a:rPr>
               <a:t>直接查找对应路径的文件</a:t>
             </a:r>
-            <a:endParaRPr lang="zh-CN" altLang="en-US"/>
+            <a:endParaRPr lang="zh-CN" altLang="en-US" sz="1800">
+              <a:latin typeface="+mj-ea"/>
+            </a:endParaRPr>
           </a:p>
         </p:txBody>
       </p:sp>
@@ -2906,7 +3706,7 @@
 </p:sld>
 </file>
 
-<file path=ppt/slides/slide11.xml><?xml version="1.0" encoding="utf-8"?>
+<file path=ppt/slides/slide13.xml><?xml version="1.0" encoding="utf-8"?>
 <p:sld xmlns:a="http://schemas.openxmlformats.org/drawingml/2006/main" xmlns:r="http://schemas.openxmlformats.org/officeDocument/2006/relationships" xmlns:p="http://schemas.openxmlformats.org/presentationml/2006/main">
   <p:cSld>
     <p:spTree>
@@ -2931,35 +3731,20 @@
           <a:bodyPr/>
           <a:p>
             <a:r>
-              <a:rPr lang="zh-CN" altLang="en-US"/>
-              <a:t>把 loader 应用的文件范围缩小</a:t>
-            </a:r>
-            <a:endParaRPr lang="zh-CN" altLang="en-US"/>
-          </a:p>
-        </p:txBody>
-      </p:sp>
-      <p:sp>
-        <p:nvSpPr>
-          <p:cNvPr id="3" name="内容占位符 2"/>
-          <p:cNvSpPr>
-            <a:spLocks noGrp="1"/>
-          </p:cNvSpPr>
-          <p:nvPr>
-            <p:ph idx="1"/>
-          </p:nvPr>
-        </p:nvSpPr>
-        <p:spPr/>
-        <p:txBody>
-          <a:bodyPr/>
-          <a:p>
-            <a:r>
-              <a:rPr lang="zh-CN" altLang="en-US"/>
-              <a:t>尽可能把 loader 应用的文件范围缩小</a:t>
-            </a:r>
-            <a:endParaRPr lang="zh-CN" altLang="en-US"/>
-          </a:p>
-          <a:p>
-            <a:endParaRPr lang="zh-CN" altLang="en-US"/>
+              <a:rPr lang="en-US" altLang="zh-CN" sz="1800">
+                <a:latin typeface="+mj-ea"/>
+              </a:rPr>
+              <a:t>2</a:t>
+            </a:r>
+            <a:r>
+              <a:rPr lang="zh-CN" altLang="en-US" sz="1800">
+                <a:latin typeface="+mj-ea"/>
+              </a:rPr>
+              <a:t>、把 loader 应用的文件范围缩小</a:t>
+            </a:r>
+            <a:endParaRPr lang="zh-CN" altLang="en-US" sz="1800">
+              <a:latin typeface="+mj-ea"/>
+            </a:endParaRPr>
           </a:p>
         </p:txBody>
       </p:sp>
@@ -2979,7 +3764,7 @@
         </p:blipFill>
         <p:spPr>
           <a:xfrm>
-            <a:off x="665480" y="2424430"/>
+            <a:off x="744855" y="1343025"/>
             <a:ext cx="9069070" cy="3639820"/>
           </a:xfrm>
           <a:prstGeom prst="rect">
@@ -2995,7 +3780,7 @@
 </p:sld>
 </file>
 
-<file path=ppt/slides/slide12.xml><?xml version="1.0" encoding="utf-8"?>
+<file path=ppt/slides/slide14.xml><?xml version="1.0" encoding="utf-8"?>
 <p:sld xmlns:a="http://schemas.openxmlformats.org/drawingml/2006/main" xmlns:r="http://schemas.openxmlformats.org/officeDocument/2006/relationships" xmlns:p="http://schemas.openxmlformats.org/presentationml/2006/main">
   <p:cSld>
     <p:spTree>
@@ -3007,6 +3792,351 @@
       <p:grpSpPr/>
       <p:sp>
         <p:nvSpPr>
+          <p:cNvPr id="3" name="内容占位符 2"/>
+          <p:cNvSpPr>
+            <a:spLocks noGrp="1"/>
+          </p:cNvSpPr>
+          <p:nvPr>
+            <p:ph idx="1"/>
+          </p:nvPr>
+        </p:nvSpPr>
+        <p:spPr>
+          <a:xfrm>
+            <a:off x="838200" y="1252855"/>
+            <a:ext cx="10515600" cy="5542915"/>
+          </a:xfrm>
+        </p:spPr>
+        <p:txBody>
+          <a:bodyPr>
+            <a:normAutofit lnSpcReduction="20000"/>
+          </a:bodyPr>
+          <a:p>
+            <a:pPr marL="0" indent="0">
+              <a:buNone/>
+            </a:pPr>
+            <a:r>
+              <a:rPr lang="en-US" altLang="zh-CN">
+                <a:sym typeface="+mn-ea"/>
+              </a:rPr>
+              <a:t> </a:t>
+            </a:r>
+            <a:r>
+              <a:rPr lang="zh-CN" altLang="en-US" sz="1800">
+                <a:latin typeface="+mn-ea"/>
+                <a:sym typeface="+mn-ea"/>
+              </a:rPr>
+              <a:t> </a:t>
+            </a:r>
+            <a:r>
+              <a:rPr lang="en-US" altLang="zh-CN" sz="1800">
+                <a:latin typeface="+mn-ea"/>
+                <a:sym typeface="+mn-ea"/>
+              </a:rPr>
+              <a:t>3</a:t>
+            </a:r>
+            <a:r>
+              <a:rPr lang="zh-CN" altLang="en-US" sz="1800">
+                <a:latin typeface="+mn-ea"/>
+                <a:sym typeface="+mn-ea"/>
+              </a:rPr>
+              <a:t>、webpack-parallel-uglify-plugin</a:t>
+            </a:r>
+            <a:endParaRPr lang="zh-CN" altLang="en-US" sz="1800">
+              <a:latin typeface="+mn-ea"/>
+            </a:endParaRPr>
+          </a:p>
+          <a:p>
+            <a:pPr marL="0" indent="0">
+              <a:buNone/>
+            </a:pPr>
+            <a:r>
+              <a:rPr lang="zh-CN" altLang="en-US" sz="1800">
+                <a:latin typeface="+mn-ea"/>
+              </a:rPr>
+              <a:t>   </a:t>
+            </a:r>
+            <a:r>
+              <a:rPr lang="en-US" altLang="zh-CN" sz="1800">
+                <a:latin typeface="+mn-ea"/>
+              </a:rPr>
+              <a:t>4</a:t>
+            </a:r>
+            <a:r>
+              <a:rPr lang="zh-CN" altLang="en-US" sz="1800">
+                <a:latin typeface="+mn-ea"/>
+              </a:rPr>
+              <a:t>、</a:t>
+            </a:r>
+            <a:r>
+              <a:rPr lang="en-US" altLang="zh-CN" sz="1800">
+                <a:latin typeface="+mn-ea"/>
+              </a:rPr>
+              <a:t>hard-source-webpack-plugin</a:t>
+            </a:r>
+            <a:endParaRPr lang="en-US" altLang="zh-CN" sz="1800">
+              <a:latin typeface="+mn-ea"/>
+            </a:endParaRPr>
+          </a:p>
+          <a:p>
+            <a:pPr marL="0" indent="0">
+              <a:buNone/>
+            </a:pPr>
+            <a:r>
+              <a:rPr lang="en-US" altLang="zh-CN" sz="1800">
+                <a:latin typeface="+mn-ea"/>
+              </a:rPr>
+              <a:t>   5</a:t>
+            </a:r>
+            <a:r>
+              <a:rPr lang="zh-CN" altLang="en-US" sz="1800">
+                <a:latin typeface="+mn-ea"/>
+              </a:rPr>
+              <a:t>、使用</a:t>
+            </a:r>
+            <a:r>
+              <a:rPr lang="en-US" altLang="zh-CN" sz="1800">
+                <a:latin typeface="+mn-ea"/>
+              </a:rPr>
+              <a:t>webpack4.X</a:t>
+            </a:r>
+            <a:endParaRPr lang="en-US" altLang="zh-CN" sz="1800">
+              <a:latin typeface="+mn-ea"/>
+            </a:endParaRPr>
+          </a:p>
+          <a:p>
+            <a:pPr marL="0" indent="0" fontAlgn="auto">
+              <a:lnSpc>
+                <a:spcPct val="150000"/>
+              </a:lnSpc>
+              <a:buNone/>
+            </a:pPr>
+            <a:r>
+              <a:rPr lang="en-US" altLang="zh-CN" sz="1800">
+                <a:latin typeface="+mn-ea"/>
+              </a:rPr>
+              <a:t>          a</a:t>
+            </a:r>
+            <a:r>
+              <a:rPr lang="zh-CN" altLang="en-US" sz="1800">
+                <a:latin typeface="+mn-ea"/>
+              </a:rPr>
+              <a:t>、</a:t>
+            </a:r>
+            <a:r>
+              <a:rPr lang="en-US" altLang="zh-CN" sz="1800">
+                <a:latin typeface="+mn-ea"/>
+              </a:rPr>
+              <a:t>AST</a:t>
+            </a:r>
+            <a:r>
+              <a:rPr lang="zh-CN" altLang="en-US" sz="1800">
+                <a:latin typeface="+mn-ea"/>
+              </a:rPr>
+              <a:t>可以直接从</a:t>
+            </a:r>
+            <a:r>
+              <a:rPr lang="en-US" altLang="zh-CN" sz="1800">
+                <a:latin typeface="+mn-ea"/>
+              </a:rPr>
+              <a:t>loader</a:t>
+            </a:r>
+            <a:r>
+              <a:rPr lang="zh-CN" altLang="en-US" sz="1800">
+                <a:latin typeface="+mn-ea"/>
+              </a:rPr>
+              <a:t>传递给</a:t>
+            </a:r>
+            <a:r>
+              <a:rPr lang="en-US" altLang="zh-CN" sz="1800">
+                <a:latin typeface="+mn-ea"/>
+              </a:rPr>
+              <a:t>webpack,</a:t>
+            </a:r>
+            <a:r>
+              <a:rPr lang="zh-CN" altLang="en-US" sz="1800">
+                <a:latin typeface="+mn-ea"/>
+              </a:rPr>
+              <a:t>避免额外解析</a:t>
+            </a:r>
+            <a:endParaRPr lang="zh-CN" altLang="en-US" sz="1800">
+              <a:latin typeface="+mn-ea"/>
+            </a:endParaRPr>
+          </a:p>
+          <a:p>
+            <a:pPr marL="0" indent="0" fontAlgn="auto">
+              <a:lnSpc>
+                <a:spcPct val="150000"/>
+              </a:lnSpc>
+              <a:buNone/>
+            </a:pPr>
+            <a:r>
+              <a:rPr lang="en-US" altLang="zh-CN" sz="1800">
+                <a:latin typeface="+mn-ea"/>
+              </a:rPr>
+              <a:t>          b</a:t>
+            </a:r>
+            <a:r>
+              <a:rPr lang="zh-CN" altLang="en-US" sz="1800">
+                <a:latin typeface="+mn-ea"/>
+              </a:rPr>
+              <a:t>、使用速度更快的</a:t>
+            </a:r>
+            <a:r>
+              <a:rPr lang="en-US" altLang="zh-CN" sz="1800">
+                <a:latin typeface="+mn-ea"/>
+              </a:rPr>
+              <a:t>md4</a:t>
+            </a:r>
+            <a:r>
+              <a:rPr lang="zh-CN" altLang="en-US" sz="1800">
+                <a:latin typeface="+mn-ea"/>
+              </a:rPr>
+              <a:t>作为默认的</a:t>
+            </a:r>
+            <a:r>
+              <a:rPr lang="en-US" altLang="zh-CN" sz="1800">
+                <a:latin typeface="+mn-ea"/>
+              </a:rPr>
+              <a:t>hash</a:t>
+            </a:r>
+            <a:r>
+              <a:rPr lang="zh-CN" altLang="en-US" sz="1800">
+                <a:latin typeface="+mn-ea"/>
+              </a:rPr>
+              <a:t>方法</a:t>
+            </a:r>
+            <a:endParaRPr lang="zh-CN" altLang="en-US" sz="1800">
+              <a:latin typeface="+mn-ea"/>
+            </a:endParaRPr>
+          </a:p>
+          <a:p>
+            <a:pPr marL="0" indent="0" fontAlgn="auto">
+              <a:lnSpc>
+                <a:spcPct val="150000"/>
+              </a:lnSpc>
+              <a:buNone/>
+            </a:pPr>
+            <a:r>
+              <a:rPr lang="zh-CN" altLang="en-US" sz="1800">
+                <a:latin typeface="+mn-ea"/>
+              </a:rPr>
+              <a:t>          </a:t>
+            </a:r>
+            <a:r>
+              <a:rPr lang="en-US" altLang="zh-CN" sz="1800">
+                <a:latin typeface="+mn-ea"/>
+              </a:rPr>
+              <a:t>c</a:t>
+            </a:r>
+            <a:r>
+              <a:rPr lang="zh-CN" altLang="en-US" sz="1800">
+                <a:latin typeface="+mn-ea"/>
+              </a:rPr>
+              <a:t>、</a:t>
+            </a:r>
+            <a:r>
+              <a:rPr lang="en-US" altLang="zh-CN" sz="1800">
+                <a:latin typeface="+mn-ea"/>
+              </a:rPr>
+              <a:t>Node</a:t>
+            </a:r>
+            <a:r>
+              <a:rPr lang="zh-CN" altLang="en-US" sz="1800">
+                <a:latin typeface="+mn-ea"/>
+              </a:rPr>
+              <a:t>语言层面的优化，</a:t>
+            </a:r>
+            <a:r>
+              <a:rPr sz="1800">
+                <a:latin typeface="+mn-ea"/>
+              </a:rPr>
+              <a:t>用 Map 和 Set 替换普通的对象字面量</a:t>
+            </a:r>
+            <a:endParaRPr sz="1800">
+              <a:latin typeface="+mn-ea"/>
+            </a:endParaRPr>
+          </a:p>
+          <a:p>
+            <a:pPr marL="0" indent="0" fontAlgn="auto">
+              <a:lnSpc>
+                <a:spcPct val="150000"/>
+              </a:lnSpc>
+              <a:buNone/>
+            </a:pPr>
+            <a:r>
+              <a:rPr lang="en-US" sz="1800">
+                <a:latin typeface="+mn-ea"/>
+              </a:rPr>
+              <a:t>         d</a:t>
+            </a:r>
+            <a:r>
+              <a:rPr lang="zh-CN" altLang="en-US" sz="1800">
+                <a:latin typeface="+mn-ea"/>
+              </a:rPr>
+              <a:t>、默认开启 uglifyjs-webpack-plugin 的 cache 和 parallel，即缓存和并行处理，这样能</a:t>
+            </a:r>
+            <a:r>
+              <a:rPr lang="en-US" altLang="zh-CN" sz="1800">
+                <a:latin typeface="+mn-ea"/>
+              </a:rPr>
+              <a:t>		                      	</a:t>
+            </a:r>
+            <a:r>
+              <a:rPr lang="zh-CN" altLang="en-US" sz="1800">
+                <a:latin typeface="+mn-ea"/>
+              </a:rPr>
+              <a:t>大大提高 production mode 下压缩代码的速度</a:t>
+            </a:r>
+            <a:endParaRPr lang="zh-CN" altLang="en-US" sz="1800">
+              <a:latin typeface="+mn-ea"/>
+            </a:endParaRPr>
+          </a:p>
+        </p:txBody>
+      </p:sp>
+      <p:pic>
+        <p:nvPicPr>
+          <p:cNvPr id="5" name="图片 4"/>
+          <p:cNvPicPr>
+            <a:picLocks noChangeAspect="1"/>
+          </p:cNvPicPr>
+          <p:nvPr/>
+        </p:nvPicPr>
+        <p:blipFill>
+          <a:blip r:embed="rId1"/>
+          <a:stretch>
+            <a:fillRect/>
+          </a:stretch>
+        </p:blipFill>
+        <p:spPr>
+          <a:xfrm>
+            <a:off x="7896225" y="220980"/>
+            <a:ext cx="4070350" cy="2945130"/>
+          </a:xfrm>
+          <a:prstGeom prst="rect">
+            <a:avLst/>
+          </a:prstGeom>
+        </p:spPr>
+      </p:pic>
+    </p:spTree>
+  </p:cSld>
+  <p:clrMapOvr>
+    <a:masterClrMapping/>
+  </p:clrMapOvr>
+</p:sld>
+</file>
+
+<file path=ppt/slides/slide15.xml><?xml version="1.0" encoding="utf-8"?>
+<p:sld xmlns:a="http://schemas.openxmlformats.org/drawingml/2006/main" xmlns:r="http://schemas.openxmlformats.org/officeDocument/2006/relationships" xmlns:p="http://schemas.openxmlformats.org/presentationml/2006/main">
+  <p:cSld>
+    <p:spTree>
+      <p:nvGrpSpPr>
+        <p:cNvPr id="1" name=""/>
+        <p:cNvGrpSpPr/>
+        <p:nvPr/>
+      </p:nvGrpSpPr>
+      <p:grpSpPr/>
+      <p:sp>
+        <p:nvSpPr>
           <p:cNvPr id="2" name="标题 1"/>
           <p:cNvSpPr>
             <a:spLocks noGrp="1"/>
@@ -3020,13 +4150,106 @@
           <a:bodyPr/>
           <a:p>
             <a:r>
+              <a:rPr lang="zh-CN" altLang="en-US" sz="2800">
+                <a:latin typeface="+mj-ea"/>
+              </a:rPr>
+              <a:t>创建一个</a:t>
+            </a:r>
+            <a:r>
+              <a:rPr lang="en-US" altLang="zh-CN" sz="2800">
+                <a:latin typeface="+mj-ea"/>
+              </a:rPr>
+              <a:t>Loader</a:t>
+            </a:r>
+            <a:endParaRPr lang="en-US" altLang="zh-CN" sz="2800">
+              <a:latin typeface="+mj-ea"/>
+            </a:endParaRPr>
+          </a:p>
+        </p:txBody>
+      </p:sp>
+      <p:sp>
+        <p:nvSpPr>
+          <p:cNvPr id="3" name="内容占位符 2"/>
+          <p:cNvSpPr>
+            <a:spLocks noGrp="1"/>
+          </p:cNvSpPr>
+          <p:nvPr>
+            <p:ph idx="1"/>
+          </p:nvPr>
+        </p:nvSpPr>
+        <p:spPr/>
+        <p:txBody>
+          <a:bodyPr/>
+          <a:p>
+            <a:r>
+              <a:rPr lang="en-US" altLang="zh-CN"/>
+              <a:t>https://www.webpackjs.com/contribute/writing-a-loader/</a:t>
+            </a:r>
+            <a:endParaRPr lang="en-US" altLang="zh-CN"/>
+          </a:p>
+          <a:p>
+            <a:r>
+              <a:rPr lang="en-US" altLang="zh-CN"/>
+              <a:t>loader</a:t>
+            </a:r>
+            <a:r>
               <a:rPr lang="zh-CN" altLang="en-US"/>
-              <a:t>使用 DLLPlugin</a:t>
+              <a:t>的本质是一个函数</a:t>
             </a:r>
             <a:endParaRPr lang="zh-CN" altLang="en-US"/>
           </a:p>
         </p:txBody>
       </p:sp>
+    </p:spTree>
+  </p:cSld>
+  <p:clrMapOvr>
+    <a:masterClrMapping/>
+  </p:clrMapOvr>
+</p:sld>
+</file>
+
+<file path=ppt/slides/slide16.xml><?xml version="1.0" encoding="utf-8"?>
+<p:sld xmlns:a="http://schemas.openxmlformats.org/drawingml/2006/main" xmlns:r="http://schemas.openxmlformats.org/officeDocument/2006/relationships" xmlns:p="http://schemas.openxmlformats.org/presentationml/2006/main">
+  <p:cSld>
+    <p:spTree>
+      <p:nvGrpSpPr>
+        <p:cNvPr id="1" name=""/>
+        <p:cNvGrpSpPr/>
+        <p:nvPr/>
+      </p:nvGrpSpPr>
+      <p:grpSpPr/>
+      <p:sp>
+        <p:nvSpPr>
+          <p:cNvPr id="2" name="标题 1"/>
+          <p:cNvSpPr>
+            <a:spLocks noGrp="1"/>
+          </p:cNvSpPr>
+          <p:nvPr>
+            <p:ph type="title"/>
+          </p:nvPr>
+        </p:nvSpPr>
+        <p:spPr/>
+        <p:txBody>
+          <a:bodyPr/>
+          <a:p>
+            <a:r>
+              <a:rPr lang="zh-CN" altLang="en-US" sz="2800">
+                <a:latin typeface="+mj-ea"/>
+              </a:rPr>
+              <a:t>创建一个</a:t>
+            </a:r>
+            <a:r>
+              <a:rPr lang="en-US" altLang="zh-CN" sz="2800">
+                <a:latin typeface="+mj-ea"/>
+              </a:rPr>
+              <a:t>Plugin</a:t>
+            </a:r>
+            <a:endParaRPr lang="en-US" altLang="zh-CN" sz="2800">
+              <a:latin typeface="+mj-ea"/>
+            </a:endParaRPr>
+          </a:p>
+        </p:txBody>
+      </p:sp>
       <p:sp>
         <p:nvSpPr>
           <p:cNvPr id="3" name="内容占位符 2"/>
@@ -3041,6 +4264,16 @@
         <p:txBody>
           <a:bodyPr/>
           <a:p>
+            <a:r>
+              <a:rPr lang="en-US" altLang="zh-CN"/>
+              <a:t>https://www.webpackjs.com/contribute/writing-a-plugin/</a:t>
+            </a:r>
+            <a:endParaRPr lang="en-US" altLang="zh-CN"/>
+          </a:p>
+          <a:p>
+            <a:pPr marL="0" indent="0">
+              <a:buNone/>
+            </a:pPr>
             <a:endParaRPr lang="zh-CN" altLang="en-US"/>
           </a:p>
         </p:txBody>
@@ -3065,24 +4298,6 @@
       <p:grpSpPr/>
       <p:sp>
         <p:nvSpPr>
-          <p:cNvPr id="2" name="标题 1"/>
-          <p:cNvSpPr>
-            <a:spLocks noGrp="1"/>
-          </p:cNvSpPr>
-          <p:nvPr>
-            <p:ph type="title"/>
-          </p:nvPr>
-        </p:nvSpPr>
-        <p:spPr/>
-        <p:txBody>
-          <a:bodyPr/>
-          <a:p>
-            <a:endParaRPr lang="zh-CN" altLang="en-US"/>
-          </a:p>
-        </p:txBody>
-      </p:sp>
-      <p:sp>
-        <p:nvSpPr>
           <p:cNvPr id="3" name="内容占位符 2"/>
           <p:cNvSpPr>
             <a:spLocks noGrp="1"/>
@@ -3091,76 +4306,105 @@
             <p:ph idx="1"/>
           </p:nvPr>
         </p:nvSpPr>
-        <p:spPr/>
-        <p:txBody>
-          <a:bodyPr/>
-          <a:p>
-            <a:r>
-              <a:rPr lang="en-US" altLang="zh-CN"/>
-              <a:t>1</a:t>
-            </a:r>
-            <a:r>
-              <a:rPr lang="zh-CN" altLang="en-US"/>
-              <a:t>、</a:t>
-            </a:r>
-            <a:r>
-              <a:rPr lang="en-US" altLang="zh-CN"/>
+        <p:spPr>
+          <a:xfrm>
+            <a:off x="838200" y="634365"/>
+            <a:ext cx="10515600" cy="5542915"/>
+          </a:xfrm>
+        </p:spPr>
+        <p:txBody>
+          <a:bodyPr/>
+          <a:p>
+            <a:pPr marL="514350" indent="-514350" fontAlgn="auto">
+              <a:lnSpc>
+                <a:spcPct val="150000"/>
+              </a:lnSpc>
+              <a:buAutoNum type="arabicPeriod"/>
+            </a:pPr>
+            <a:r>
+              <a:rPr lang="en-US" altLang="zh-CN">
+                <a:latin typeface="+mj-ea"/>
+              </a:rPr>
               <a:t>webpack</a:t>
             </a:r>
             <a:r>
-              <a:rPr lang="zh-CN" altLang="en-US"/>
+              <a:rPr lang="zh-CN" altLang="en-US">
+                <a:latin typeface="+mj-ea"/>
+              </a:rPr>
               <a:t>的概念</a:t>
             </a:r>
-            <a:endParaRPr lang="zh-CN" altLang="en-US"/>
-          </a:p>
-          <a:p>
-            <a:r>
-              <a:rPr lang="en-US" altLang="zh-CN"/>
-              <a:t>2</a:t>
-            </a:r>
-            <a:r>
-              <a:rPr lang="zh-CN" altLang="en-US"/>
-              <a:t>、</a:t>
-            </a:r>
-            <a:r>
-              <a:rPr lang="en-US" altLang="zh-CN"/>
+            <a:endParaRPr lang="zh-CN" altLang="en-US">
+              <a:latin typeface="+mj-ea"/>
+            </a:endParaRPr>
+          </a:p>
+          <a:p>
+            <a:pPr marL="514350" indent="-514350" fontAlgn="auto">
+              <a:lnSpc>
+                <a:spcPct val="150000"/>
+              </a:lnSpc>
+              <a:buAutoNum type="arabicPeriod"/>
+            </a:pPr>
+            <a:r>
+              <a:rPr lang="en-US" altLang="zh-CN">
+                <a:latin typeface="+mj-ea"/>
+              </a:rPr>
               <a:t>webpack</a:t>
             </a:r>
             <a:r>
-              <a:rPr lang="zh-CN" altLang="en-US"/>
+              <a:rPr lang="zh-CN" altLang="en-US">
+                <a:latin typeface="+mj-ea"/>
+              </a:rPr>
               <a:t>提升构建速度</a:t>
             </a:r>
-            <a:endParaRPr lang="zh-CN" altLang="en-US"/>
-          </a:p>
-          <a:p>
-            <a:r>
-              <a:rPr lang="en-US" altLang="zh-CN"/>
-              <a:t>3</a:t>
-            </a:r>
-            <a:r>
-              <a:rPr lang="zh-CN" altLang="en-US"/>
-              <a:t>、创建自己的</a:t>
-            </a:r>
-            <a:r>
-              <a:rPr lang="en-US" altLang="zh-CN"/>
+            <a:endParaRPr lang="zh-CN" altLang="en-US">
+              <a:latin typeface="+mj-ea"/>
+            </a:endParaRPr>
+          </a:p>
+          <a:p>
+            <a:pPr marL="514350" indent="-514350" fontAlgn="auto">
+              <a:lnSpc>
+                <a:spcPct val="150000"/>
+              </a:lnSpc>
+              <a:buAutoNum type="arabicPeriod"/>
+            </a:pPr>
+            <a:r>
+              <a:rPr lang="zh-CN" altLang="en-US">
+                <a:latin typeface="+mj-ea"/>
+              </a:rPr>
+              <a:t>创建自己的</a:t>
+            </a:r>
+            <a:r>
+              <a:rPr lang="en-US" altLang="zh-CN">
+                <a:latin typeface="+mj-ea"/>
+              </a:rPr>
               <a:t>loader</a:t>
             </a:r>
-            <a:endParaRPr lang="en-US" altLang="zh-CN"/>
-          </a:p>
-          <a:p>
-            <a:r>
-              <a:rPr lang="en-US" altLang="zh-CN"/>
-              <a:t>4</a:t>
-            </a:r>
-            <a:r>
-              <a:rPr lang="zh-CN" altLang="en-US"/>
-              <a:t>、创建自己的</a:t>
-            </a:r>
-            <a:r>
-              <a:rPr lang="en-US" altLang="zh-CN"/>
+            <a:endParaRPr lang="en-US" altLang="zh-CN">
+              <a:latin typeface="+mj-ea"/>
+            </a:endParaRPr>
+          </a:p>
+          <a:p>
+            <a:pPr marL="514350" indent="-514350" fontAlgn="auto">
+              <a:lnSpc>
+                <a:spcPct val="150000"/>
+              </a:lnSpc>
+              <a:buAutoNum type="arabicPeriod"/>
+            </a:pPr>
+            <a:r>
+              <a:rPr lang="zh-CN" altLang="en-US">
+                <a:latin typeface="+mj-ea"/>
+              </a:rPr>
+              <a:t>创建自己的</a:t>
+            </a:r>
+            <a:r>
+              <a:rPr lang="en-US" altLang="zh-CN">
+                <a:latin typeface="+mj-ea"/>
+              </a:rPr>
               <a:t>plugin</a:t>
             </a:r>
-            <a:endParaRPr lang="en-US" altLang="zh-CN"/>
+            <a:endParaRPr lang="en-US" altLang="zh-CN">
+              <a:latin typeface="+mj-ea"/>
+            </a:endParaRPr>
           </a:p>
         </p:txBody>
       </p:sp>
@@ -3197,14 +4441,20 @@
           <a:bodyPr/>
           <a:p>
             <a:r>
-              <a:rPr lang="en-US" altLang="zh-CN"/>
+              <a:rPr lang="en-US" altLang="zh-CN" sz="2800">
+                <a:latin typeface="+mj-ea"/>
+              </a:rPr>
               <a:t>webpack</a:t>
             </a:r>
             <a:r>
-              <a:rPr lang="zh-CN" altLang="en-US"/>
+              <a:rPr lang="zh-CN" altLang="en-US" sz="2800">
+                <a:latin typeface="+mj-ea"/>
+              </a:rPr>
               <a:t>基本概念</a:t>
             </a:r>
-            <a:endParaRPr lang="zh-CN" altLang="en-US"/>
+            <a:endParaRPr lang="zh-CN" altLang="en-US" sz="2800">
+              <a:latin typeface="+mj-ea"/>
+            </a:endParaRPr>
           </a:p>
         </p:txBody>
       </p:sp>
@@ -3223,81 +4473,181 @@
           <a:bodyPr/>
           <a:p>
             <a:r>
-              <a:rPr lang="en-US" altLang="zh-CN"/>
+              <a:rPr lang="en-US" altLang="zh-CN" sz="2400">
+                <a:latin typeface="+mn-ea"/>
+              </a:rPr>
               <a:t>1</a:t>
             </a:r>
             <a:r>
-              <a:rPr lang="zh-CN" altLang="en-US"/>
+              <a:rPr lang="zh-CN" altLang="en-US" sz="2400">
+                <a:latin typeface="+mn-ea"/>
+              </a:rPr>
               <a:t>、</a:t>
             </a:r>
             <a:r>
-              <a:rPr lang="en-US" altLang="zh-CN"/>
+              <a:rPr lang="en-US" altLang="zh-CN" sz="2400">
+                <a:latin typeface="+mn-ea"/>
+              </a:rPr>
               <a:t>entery</a:t>
             </a:r>
-            <a:endParaRPr lang="en-US" altLang="zh-CN"/>
-          </a:p>
-          <a:p>
-            <a:r>
-              <a:rPr lang="en-US" altLang="zh-CN"/>
+            <a:endParaRPr lang="en-US" altLang="zh-CN" sz="2400">
+              <a:latin typeface="+mn-ea"/>
+            </a:endParaRPr>
+          </a:p>
+          <a:p>
+            <a:r>
+              <a:rPr lang="en-US" altLang="zh-CN" sz="2400">
+                <a:latin typeface="+mn-ea"/>
+              </a:rPr>
               <a:t>2</a:t>
             </a:r>
             <a:r>
-              <a:rPr lang="zh-CN" altLang="en-US"/>
+              <a:rPr lang="zh-CN" altLang="en-US" sz="2400">
+                <a:latin typeface="+mn-ea"/>
+              </a:rPr>
               <a:t>、</a:t>
             </a:r>
             <a:r>
-              <a:rPr lang="en-US" altLang="zh-CN"/>
+              <a:rPr lang="en-US" altLang="zh-CN" sz="2400">
+                <a:latin typeface="+mn-ea"/>
+              </a:rPr>
               <a:t>output</a:t>
             </a:r>
-            <a:endParaRPr lang="en-US" altLang="zh-CN"/>
-          </a:p>
-          <a:p>
-            <a:r>
-              <a:rPr lang="en-US" altLang="zh-CN"/>
+            <a:endParaRPr lang="en-US" altLang="zh-CN" sz="2400">
+              <a:latin typeface="+mn-ea"/>
+            </a:endParaRPr>
+          </a:p>
+          <a:p>
+            <a:r>
+              <a:rPr lang="en-US" altLang="zh-CN" sz="2400">
+                <a:latin typeface="+mn-ea"/>
+              </a:rPr>
               <a:t>3</a:t>
             </a:r>
             <a:r>
-              <a:rPr lang="zh-CN" altLang="en-US"/>
+              <a:rPr lang="zh-CN" altLang="en-US" sz="2400">
+                <a:latin typeface="+mn-ea"/>
+              </a:rPr>
               <a:t>、</a:t>
             </a:r>
             <a:r>
-              <a:rPr lang="en-US" altLang="zh-CN"/>
+              <a:rPr lang="en-US" altLang="zh-CN" sz="2400">
+                <a:latin typeface="+mn-ea"/>
+              </a:rPr>
               <a:t>loader</a:t>
             </a:r>
-            <a:endParaRPr lang="en-US" altLang="zh-CN"/>
-          </a:p>
-          <a:p>
-            <a:r>
-              <a:rPr lang="en-US" altLang="zh-CN"/>
+            <a:endParaRPr lang="en-US" altLang="zh-CN" sz="2400">
+              <a:latin typeface="+mn-ea"/>
+            </a:endParaRPr>
+          </a:p>
+          <a:p>
+            <a:r>
+              <a:rPr lang="en-US" altLang="zh-CN" sz="2400">
+                <a:latin typeface="+mn-ea"/>
+              </a:rPr>
               <a:t>4</a:t>
             </a:r>
             <a:r>
-              <a:rPr lang="zh-CN" altLang="en-US"/>
+              <a:rPr lang="zh-CN" altLang="en-US" sz="2400">
+                <a:latin typeface="+mn-ea"/>
+              </a:rPr>
               <a:t>、</a:t>
             </a:r>
             <a:r>
-              <a:rPr lang="en-US" altLang="zh-CN"/>
+              <a:rPr lang="en-US" altLang="zh-CN" sz="2400">
+                <a:latin typeface="+mn-ea"/>
+              </a:rPr>
               <a:t>plugin</a:t>
             </a:r>
-            <a:endParaRPr lang="en-US" altLang="zh-CN"/>
-          </a:p>
-          <a:p>
-            <a:r>
-              <a:rPr lang="en-US" altLang="zh-CN"/>
+            <a:endParaRPr lang="en-US" altLang="zh-CN" sz="2400">
+              <a:latin typeface="+mn-ea"/>
+            </a:endParaRPr>
+          </a:p>
+          <a:p>
+            <a:r>
+              <a:rPr lang="en-US" altLang="zh-CN" sz="2400">
+                <a:latin typeface="+mn-ea"/>
+              </a:rPr>
               <a:t>5</a:t>
             </a:r>
             <a:r>
-              <a:rPr lang="zh-CN" altLang="en-US"/>
+              <a:rPr lang="zh-CN" altLang="en-US" sz="2400">
+                <a:latin typeface="+mn-ea"/>
+              </a:rPr>
               <a:t>、</a:t>
             </a:r>
             <a:r>
-              <a:rPr lang="en-US" altLang="zh-CN"/>
+              <a:rPr lang="en-US" altLang="zh-CN" sz="2400">
+                <a:latin typeface="+mn-ea"/>
+              </a:rPr>
               <a:t>mode</a:t>
             </a:r>
-            <a:endParaRPr lang="en-US" altLang="zh-CN"/>
-          </a:p>
-          <a:p>
-            <a:endParaRPr lang="en-US" altLang="zh-CN"/>
+            <a:endParaRPr lang="en-US" altLang="zh-CN" sz="2400">
+              <a:latin typeface="+mn-ea"/>
+            </a:endParaRPr>
+          </a:p>
+          <a:p>
+            <a:r>
+              <a:rPr lang="en-US" altLang="zh-CN" sz="2400">
+                <a:latin typeface="+mn-ea"/>
+              </a:rPr>
+              <a:t>6</a:t>
+            </a:r>
+            <a:r>
+              <a:rPr lang="zh-CN" altLang="en-US" sz="2400">
+                <a:latin typeface="+mn-ea"/>
+              </a:rPr>
+              <a:t>、</a:t>
+            </a:r>
+            <a:r>
+              <a:rPr lang="en-US" altLang="zh-CN" sz="2400">
+                <a:latin typeface="+mn-ea"/>
+              </a:rPr>
+              <a:t>module</a:t>
+            </a:r>
+            <a:endParaRPr lang="en-US" altLang="zh-CN" sz="2400">
+              <a:latin typeface="+mn-ea"/>
+            </a:endParaRPr>
+          </a:p>
+          <a:p>
+            <a:r>
+              <a:rPr lang="en-US" altLang="zh-CN" sz="2400">
+                <a:latin typeface="+mn-ea"/>
+              </a:rPr>
+              <a:t>7</a:t>
+            </a:r>
+            <a:r>
+              <a:rPr lang="zh-CN" altLang="en-US" sz="2400">
+                <a:latin typeface="+mn-ea"/>
+              </a:rPr>
+              <a:t>、</a:t>
+            </a:r>
+            <a:r>
+              <a:rPr lang="en-US" altLang="zh-CN" sz="2400">
+                <a:latin typeface="+mn-ea"/>
+              </a:rPr>
+              <a:t>chunk</a:t>
+            </a:r>
+            <a:endParaRPr lang="en-US" altLang="zh-CN" sz="2400">
+              <a:latin typeface="+mn-ea"/>
+            </a:endParaRPr>
+          </a:p>
+          <a:p>
+            <a:r>
+              <a:rPr lang="en-US" altLang="zh-CN" sz="2400">
+                <a:latin typeface="+mn-ea"/>
+              </a:rPr>
+              <a:t>8</a:t>
+            </a:r>
+            <a:r>
+              <a:rPr lang="zh-CN" altLang="en-US" sz="2400">
+                <a:latin typeface="+mn-ea"/>
+              </a:rPr>
+              <a:t>、文件指纹</a:t>
+            </a:r>
+            <a:endParaRPr lang="zh-CN" altLang="en-US" sz="2400">
+              <a:latin typeface="+mn-ea"/>
+            </a:endParaRPr>
           </a:p>
         </p:txBody>
       </p:sp>
@@ -3358,10 +4708,10 @@
           <a:bodyPr/>
           <a:p>
             <a:r>
-              <a:rPr lang="zh-CN" altLang="en-US"/>
+              <a:rPr lang="zh-CN" altLang="en-US" sz="2800"/>
               <a:t>Entry 的⽤法</a:t>
             </a:r>
-            <a:endParaRPr lang="zh-CN" altLang="en-US"/>
+            <a:endParaRPr lang="zh-CN" altLang="en-US" sz="2800"/>
           </a:p>
         </p:txBody>
       </p:sp>
@@ -3447,24 +4797,32 @@
           </a:bodyPr>
           <a:p>
             <a:r>
-              <a:rPr lang="zh-CN" altLang="en-US" sz="2400"/>
+              <a:rPr lang="zh-CN" altLang="en-US" sz="2400">
+                <a:latin typeface="+mn-ea"/>
+              </a:rPr>
               <a:t>多入⼝：entry 是⼀个对象</a:t>
             </a:r>
-            <a:endParaRPr lang="zh-CN" altLang="en-US" sz="2400"/>
-          </a:p>
-          <a:p>
             <a:endParaRPr lang="zh-CN" altLang="en-US" sz="2400">
+              <a:latin typeface="+mn-ea"/>
+            </a:endParaRPr>
+          </a:p>
+          <a:p>
+            <a:endParaRPr lang="zh-CN" altLang="en-US" sz="2400">
+              <a:latin typeface="+mn-ea"/>
               <a:sym typeface="+mn-ea"/>
             </a:endParaRPr>
           </a:p>
           <a:p>
             <a:r>
               <a:rPr lang="zh-CN" altLang="en-US" sz="2400">
+                <a:latin typeface="+mn-ea"/>
                 <a:sym typeface="+mn-ea"/>
               </a:rPr>
               <a:t>module.exports={</a:t>
             </a:r>
-            <a:endParaRPr lang="zh-CN" altLang="en-US" sz="2400"/>
+            <a:endParaRPr lang="zh-CN" altLang="en-US" sz="2400">
+              <a:latin typeface="+mn-ea"/>
+            </a:endParaRPr>
           </a:p>
           <a:p>
             <a:pPr marL="0" indent="0">
@@ -3472,17 +4830,20 @@
             </a:pPr>
             <a:r>
               <a:rPr lang="zh-CN" altLang="en-US" sz="2400">
+                <a:latin typeface="+mn-ea"/>
                 <a:sym typeface="+mn-ea"/>
               </a:rPr>
               <a:t> </a:t>
             </a:r>
             <a:r>
               <a:rPr sz="2400">
+                <a:latin typeface="+mn-ea"/>
                 <a:sym typeface="+mn-ea"/>
               </a:rPr>
               <a:t> entry:{</a:t>
             </a:r>
             <a:endParaRPr sz="2400">
+              <a:latin typeface="+mn-ea"/>
               <a:sym typeface="+mn-ea"/>
             </a:endParaRPr>
           </a:p>
@@ -3492,11 +4853,13 @@
             </a:pPr>
             <a:r>
               <a:rPr sz="2400">
+                <a:latin typeface="+mn-ea"/>
                 <a:sym typeface="+mn-ea"/>
               </a:rPr>
               <a:t>    app:'./src/app.js',</a:t>
             </a:r>
             <a:endParaRPr sz="2400">
+              <a:latin typeface="+mn-ea"/>
               <a:sym typeface="+mn-ea"/>
             </a:endParaRPr>
           </a:p>
@@ -3506,11 +4869,13 @@
             </a:pPr>
             <a:r>
               <a:rPr sz="2400">
+                <a:latin typeface="+mn-ea"/>
                 <a:sym typeface="+mn-ea"/>
               </a:rPr>
               <a:t>    adminApp:'./src/adminApp.js'</a:t>
             </a:r>
             <a:endParaRPr sz="2400">
+              <a:latin typeface="+mn-ea"/>
               <a:sym typeface="+mn-ea"/>
             </a:endParaRPr>
           </a:p>
@@ -3520,11 +4885,13 @@
             </a:pPr>
             <a:r>
               <a:rPr sz="2400">
+                <a:latin typeface="+mn-ea"/>
                 <a:sym typeface="+mn-ea"/>
               </a:rPr>
               <a:t>  }</a:t>
             </a:r>
             <a:endParaRPr sz="2400">
+              <a:latin typeface="+mn-ea"/>
               <a:sym typeface="+mn-ea"/>
             </a:endParaRPr>
           </a:p>
@@ -3534,41 +4901,64 @@
             </a:pPr>
             <a:r>
               <a:rPr lang="zh-CN" altLang="en-US" sz="2400">
+                <a:latin typeface="+mn-ea"/>
                 <a:sym typeface="+mn-ea"/>
               </a:rPr>
               <a:t>}</a:t>
             </a:r>
-            <a:endParaRPr lang="zh-CN" altLang="en-US" sz="2400"/>
-          </a:p>
-          <a:p>
-            <a:endParaRPr lang="zh-CN" altLang="en-US" sz="2400"/>
-          </a:p>
-          <a:p>
-            <a:endParaRPr lang="zh-CN" altLang="en-US" sz="2400"/>
-          </a:p>
-          <a:p>
-            <a:endParaRPr lang="zh-CN" altLang="en-US" sz="2400"/>
-          </a:p>
-          <a:p>
-            <a:endParaRPr lang="zh-CN" altLang="en-US" sz="2400"/>
-          </a:p>
-          <a:p>
-            <a:endParaRPr lang="zh-CN" altLang="en-US" sz="2400"/>
-          </a:p>
-          <a:p>
-            <a:endParaRPr lang="zh-CN" altLang="en-US" sz="2400"/>
-          </a:p>
-          <a:p>
-            <a:endParaRPr lang="zh-CN" altLang="en-US" sz="2400"/>
-          </a:p>
-          <a:p>
-            <a:endParaRPr lang="zh-CN" altLang="en-US" sz="2400"/>
-          </a:p>
-          <a:p>
-            <a:endParaRPr lang="zh-CN" altLang="en-US" sz="2400"/>
-          </a:p>
-          <a:p>
-            <a:endParaRPr lang="zh-CN" altLang="en-US" sz="2400"/>
+            <a:endParaRPr lang="zh-CN" altLang="en-US" sz="2400">
+              <a:latin typeface="+mn-ea"/>
+            </a:endParaRPr>
+          </a:p>
+          <a:p>
+            <a:endParaRPr lang="zh-CN" altLang="en-US" sz="2400">
+              <a:latin typeface="+mn-ea"/>
+            </a:endParaRPr>
+          </a:p>
+          <a:p>
+            <a:endParaRPr lang="zh-CN" altLang="en-US" sz="2400">
+              <a:latin typeface="+mn-ea"/>
+            </a:endParaRPr>
+          </a:p>
+          <a:p>
+            <a:endParaRPr lang="zh-CN" altLang="en-US" sz="2400">
+              <a:latin typeface="+mn-ea"/>
+            </a:endParaRPr>
+          </a:p>
+          <a:p>
+            <a:endParaRPr lang="zh-CN" altLang="en-US" sz="2400">
+              <a:latin typeface="+mn-ea"/>
+            </a:endParaRPr>
+          </a:p>
+          <a:p>
+            <a:endParaRPr lang="zh-CN" altLang="en-US" sz="2400">
+              <a:latin typeface="+mn-ea"/>
+            </a:endParaRPr>
+          </a:p>
+          <a:p>
+            <a:endParaRPr lang="zh-CN" altLang="en-US" sz="2400">
+              <a:latin typeface="+mn-ea"/>
+            </a:endParaRPr>
+          </a:p>
+          <a:p>
+            <a:endParaRPr lang="zh-CN" altLang="en-US" sz="2400">
+              <a:latin typeface="+mn-ea"/>
+            </a:endParaRPr>
+          </a:p>
+          <a:p>
+            <a:endParaRPr lang="zh-CN" altLang="en-US" sz="2400">
+              <a:latin typeface="+mn-ea"/>
+            </a:endParaRPr>
+          </a:p>
+          <a:p>
+            <a:endParaRPr lang="zh-CN" altLang="en-US" sz="2400">
+              <a:latin typeface="+mn-ea"/>
+            </a:endParaRPr>
+          </a:p>
+          <a:p>
+            <a:endParaRPr lang="zh-CN" altLang="en-US" sz="2400">
+              <a:latin typeface="+mn-ea"/>
+            </a:endParaRPr>
           </a:p>
         </p:txBody>
       </p:sp>
@@ -3605,14 +4995,20 @@
           <a:bodyPr/>
           <a:p>
             <a:r>
-              <a:rPr lang="en-US" altLang="zh-CN"/>
+              <a:rPr lang="en-US" altLang="zh-CN" sz="2800">
+                <a:latin typeface="+mj-ea"/>
+              </a:rPr>
               <a:t>Output</a:t>
             </a:r>
             <a:r>
-              <a:rPr lang="zh-CN" altLang="en-US"/>
+              <a:rPr lang="zh-CN" altLang="en-US" sz="2800">
+                <a:latin typeface="+mj-ea"/>
+              </a:rPr>
               <a:t>用法：单入口配置</a:t>
             </a:r>
-            <a:endParaRPr lang="zh-CN" altLang="en-US"/>
+            <a:endParaRPr lang="zh-CN" altLang="en-US" sz="2800">
+              <a:latin typeface="+mj-ea"/>
+            </a:endParaRPr>
           </a:p>
         </p:txBody>
       </p:sp>
@@ -3634,70 +5030,70 @@
               <a:buNone/>
             </a:pPr>
             <a:r>
-              <a:rPr lang="zh-CN" altLang="en-US"/>
+              <a:rPr lang="zh-CN" altLang="en-US" sz="2400"/>
               <a:t>module.exports={</a:t>
             </a:r>
-            <a:endParaRPr lang="zh-CN" altLang="en-US"/>
+            <a:endParaRPr lang="zh-CN" altLang="en-US" sz="2400"/>
           </a:p>
           <a:p>
             <a:pPr marL="0" indent="0">
               <a:buNone/>
             </a:pPr>
             <a:r>
-              <a:rPr lang="zh-CN" altLang="en-US"/>
+              <a:rPr lang="zh-CN" altLang="en-US" sz="2400"/>
               <a:t>  entry:'./src/index.js',</a:t>
             </a:r>
-            <a:endParaRPr lang="zh-CN" altLang="en-US"/>
+            <a:endParaRPr lang="zh-CN" altLang="en-US" sz="2400"/>
           </a:p>
           <a:p>
             <a:pPr marL="0" indent="0">
               <a:buNone/>
             </a:pPr>
             <a:r>
-              <a:rPr lang="zh-CN" altLang="en-US"/>
+              <a:rPr lang="zh-CN" altLang="en-US" sz="2400"/>
               <a:t>  output:{</a:t>
             </a:r>
-            <a:endParaRPr lang="zh-CN" altLang="en-US"/>
+            <a:endParaRPr lang="zh-CN" altLang="en-US" sz="2400"/>
           </a:p>
           <a:p>
             <a:pPr marL="0" indent="0">
               <a:buNone/>
             </a:pPr>
             <a:r>
-              <a:rPr lang="zh-CN" altLang="en-US"/>
+              <a:rPr lang="zh-CN" altLang="en-US" sz="2400"/>
               <a:t>    filename:'bundle.js',</a:t>
             </a:r>
-            <a:endParaRPr lang="zh-CN" altLang="en-US"/>
+            <a:endParaRPr lang="zh-CN" altLang="en-US" sz="2400"/>
           </a:p>
           <a:p>
             <a:pPr marL="0" indent="0">
               <a:buNone/>
             </a:pPr>
             <a:r>
-              <a:rPr lang="zh-CN" altLang="en-US"/>
+              <a:rPr lang="zh-CN" altLang="en-US" sz="2400"/>
               <a:t>    path:__dirname+'/dist'</a:t>
             </a:r>
-            <a:endParaRPr lang="zh-CN" altLang="en-US"/>
+            <a:endParaRPr lang="zh-CN" altLang="en-US" sz="2400"/>
           </a:p>
           <a:p>
             <a:pPr marL="0" indent="0">
               <a:buNone/>
             </a:pPr>
             <a:r>
-              <a:rPr lang="zh-CN" altLang="en-US"/>
+              <a:rPr lang="zh-CN" altLang="en-US" sz="2400"/>
               <a:t>  }</a:t>
             </a:r>
-            <a:endParaRPr lang="zh-CN" altLang="en-US"/>
+            <a:endParaRPr lang="zh-CN" altLang="en-US" sz="2400"/>
           </a:p>
           <a:p>
             <a:pPr marL="0" indent="0">
               <a:buNone/>
             </a:pPr>
             <a:r>
-              <a:rPr lang="zh-CN" altLang="en-US"/>
+              <a:rPr lang="zh-CN" altLang="en-US" sz="2400"/>
               <a:t>}</a:t>
             </a:r>
-            <a:endParaRPr lang="zh-CN" altLang="en-US"/>
+            <a:endParaRPr lang="zh-CN" altLang="en-US" sz="2400"/>
           </a:p>
         </p:txBody>
       </p:sp>
@@ -3734,14 +5130,20 @@
           <a:bodyPr/>
           <a:p>
             <a:r>
-              <a:rPr lang="en-US" altLang="zh-CN"/>
+              <a:rPr lang="en-US" altLang="zh-CN" sz="2800">
+                <a:latin typeface="+mj-ea"/>
+              </a:rPr>
               <a:t>Output</a:t>
             </a:r>
             <a:r>
-              <a:rPr lang="zh-CN" altLang="en-US"/>
+              <a:rPr lang="zh-CN" altLang="en-US" sz="2800">
+                <a:latin typeface="+mj-ea"/>
+              </a:rPr>
               <a:t>用法：多入口配置</a:t>
             </a:r>
-            <a:endParaRPr lang="zh-CN" altLang="en-US"/>
+            <a:endParaRPr lang="zh-CN" altLang="en-US" sz="2800">
+              <a:latin typeface="+mj-ea"/>
+            </a:endParaRPr>
           </a:p>
         </p:txBody>
       </p:sp>
@@ -3758,107 +5160,107 @@
         <p:spPr/>
         <p:txBody>
           <a:bodyPr>
-            <a:normAutofit lnSpcReduction="20000"/>
+            <a:normAutofit lnSpcReduction="10000"/>
           </a:bodyPr>
           <a:p>
             <a:pPr marL="0" indent="0">
               <a:buNone/>
             </a:pPr>
             <a:r>
-              <a:rPr lang="zh-CN" altLang="en-US"/>
+              <a:rPr lang="zh-CN" altLang="en-US" sz="2400"/>
               <a:t>module.exports={</a:t>
             </a:r>
-            <a:endParaRPr lang="zh-CN" altLang="en-US"/>
+            <a:endParaRPr lang="zh-CN" altLang="en-US" sz="2400"/>
           </a:p>
           <a:p>
             <a:pPr marL="0" indent="0">
               <a:buNone/>
             </a:pPr>
             <a:r>
-              <a:rPr lang="zh-CN" altLang="en-US"/>
+              <a:rPr lang="zh-CN" altLang="en-US" sz="2400"/>
               <a:t>  entry:{</a:t>
             </a:r>
-            <a:endParaRPr lang="zh-CN" altLang="en-US"/>
+            <a:endParaRPr lang="zh-CN" altLang="en-US" sz="2400"/>
           </a:p>
           <a:p>
             <a:pPr marL="0" indent="0">
               <a:buNone/>
             </a:pPr>
             <a:r>
-              <a:rPr lang="zh-CN" altLang="en-US"/>
+              <a:rPr lang="zh-CN" altLang="en-US" sz="2400"/>
               <a:t>   app:'./src/index.js',</a:t>
             </a:r>
-            <a:endParaRPr lang="zh-CN" altLang="en-US"/>
+            <a:endParaRPr lang="zh-CN" altLang="en-US" sz="2400"/>
           </a:p>
           <a:p>
             <a:pPr marL="0" indent="0">
               <a:buNone/>
             </a:pPr>
             <a:r>
-              <a:rPr lang="zh-CN" altLang="en-US"/>
+              <a:rPr lang="zh-CN" altLang="en-US" sz="2400"/>
               <a:t>    search:'./src/search.js'</a:t>
             </a:r>
-            <a:endParaRPr lang="zh-CN" altLang="en-US"/>
+            <a:endParaRPr lang="zh-CN" altLang="en-US" sz="2400"/>
           </a:p>
           <a:p>
             <a:pPr marL="0" indent="0">
               <a:buNone/>
             </a:pPr>
             <a:r>
-              <a:rPr lang="zh-CN" altLang="en-US"/>
+              <a:rPr lang="zh-CN" altLang="en-US" sz="2400"/>
               <a:t>  },</a:t>
             </a:r>
-            <a:endParaRPr lang="zh-CN" altLang="en-US"/>
+            <a:endParaRPr lang="zh-CN" altLang="en-US" sz="2400"/>
           </a:p>
           <a:p>
             <a:pPr marL="0" indent="0">
               <a:buNone/>
             </a:pPr>
             <a:r>
-              <a:rPr lang="zh-CN" altLang="en-US"/>
+              <a:rPr lang="zh-CN" altLang="en-US" sz="2400"/>
               <a:t>  output:{</a:t>
             </a:r>
-            <a:endParaRPr lang="zh-CN" altLang="en-US"/>
+            <a:endParaRPr lang="zh-CN" altLang="en-US" sz="2400"/>
           </a:p>
           <a:p>
             <a:pPr marL="0" indent="0">
               <a:buNone/>
             </a:pPr>
             <a:r>
-              <a:rPr lang="zh-CN" altLang="en-US"/>
+              <a:rPr lang="zh-CN" altLang="en-US" sz="2400"/>
               <a:t>    filename:'[name].js',</a:t>
             </a:r>
-            <a:endParaRPr lang="zh-CN" altLang="en-US"/>
+            <a:endParaRPr lang="zh-CN" altLang="en-US" sz="2400"/>
           </a:p>
           <a:p>
             <a:pPr marL="0" indent="0">
               <a:buNone/>
             </a:pPr>
             <a:r>
-              <a:rPr lang="zh-CN" altLang="en-US"/>
+              <a:rPr lang="zh-CN" altLang="en-US" sz="2400"/>
               <a:t>    path:__dirname+'/dist'</a:t>
             </a:r>
-            <a:endParaRPr lang="zh-CN" altLang="en-US"/>
+            <a:endParaRPr lang="zh-CN" altLang="en-US" sz="2400"/>
           </a:p>
           <a:p>
             <a:pPr marL="0" indent="0">
               <a:buNone/>
             </a:pPr>
             <a:r>
-              <a:rPr lang="zh-CN" altLang="en-US"/>
+              <a:rPr lang="zh-CN" altLang="en-US" sz="2400"/>
               <a:t>  }</a:t>
             </a:r>
-            <a:endParaRPr lang="zh-CN" altLang="en-US"/>
+            <a:endParaRPr lang="zh-CN" altLang="en-US" sz="2400"/>
           </a:p>
           <a:p>
             <a:pPr marL="0" indent="0">
               <a:buNone/>
             </a:pPr>
             <a:r>
-              <a:rPr lang="zh-CN" altLang="en-US"/>
+              <a:rPr lang="zh-CN" altLang="en-US" sz="2400"/>
               <a:t>}</a:t>
             </a:r>
-            <a:endParaRPr lang="zh-CN" altLang="en-US"/>
+            <a:endParaRPr lang="zh-CN" altLang="en-US" sz="2400"/>
           </a:p>
         </p:txBody>
       </p:sp>
@@ -3895,10 +5297,10 @@
           <a:bodyPr/>
           <a:p>
             <a:r>
-              <a:rPr lang="en-US" altLang="zh-CN"/>
+              <a:rPr lang="en-US" altLang="zh-CN" sz="2800"/>
               <a:t>Loaders</a:t>
             </a:r>
-            <a:endParaRPr lang="en-US" altLang="zh-CN"/>
+            <a:endParaRPr lang="en-US" altLang="zh-CN" sz="2800"/>
           </a:p>
         </p:txBody>
       </p:sp>
@@ -3916,25 +5318,40 @@
         <p:txBody>
           <a:bodyPr/>
           <a:p>
-            <a:r>
-              <a:rPr lang="zh-CN" altLang="en-US"/>
-              <a:t>webpack 开箱即用只支持 JS 和 JSON 两种文件类型，通过 Loaders 去支持其它文</a:t>
-            </a:r>
-            <a:endParaRPr lang="zh-CN" altLang="en-US"/>
-          </a:p>
-          <a:p>
-            <a:r>
-              <a:rPr lang="zh-CN" altLang="en-US"/>
+            <a:pPr fontAlgn="auto">
+              <a:lnSpc>
+                <a:spcPct val="150000"/>
+              </a:lnSpc>
+            </a:pPr>
+            <a:r>
+              <a:rPr lang="zh-CN" altLang="en-US" sz="2400"/>
+              <a:t>webpack 开箱即用只支持 JS 和 JSON 两种文件类型，通过 Loaders 去支持其它文件</a:t>
+            </a:r>
+            <a:endParaRPr lang="zh-CN" altLang="en-US" sz="2400"/>
+          </a:p>
+          <a:p>
+            <a:pPr fontAlgn="auto">
+              <a:lnSpc>
+                <a:spcPct val="150000"/>
+              </a:lnSpc>
+            </a:pPr>
+            <a:r>
+              <a:rPr lang="zh-CN" altLang="en-US" sz="2400"/>
               <a:t>件类型并且把它们转化成有效的模块，并且可以添加到依赖图中。</a:t>
             </a:r>
-            <a:endParaRPr lang="zh-CN" altLang="en-US"/>
-          </a:p>
-          <a:p>
-            <a:r>
-              <a:rPr lang="zh-CN" altLang="en-US"/>
+            <a:endParaRPr lang="zh-CN" altLang="en-US" sz="2400"/>
+          </a:p>
+          <a:p>
+            <a:pPr fontAlgn="auto">
+              <a:lnSpc>
+                <a:spcPct val="150000"/>
+              </a:lnSpc>
+            </a:pPr>
+            <a:r>
+              <a:rPr lang="zh-CN" altLang="en-US" sz="2400"/>
               <a:t>本身是一个函数，接受源文件作为参数，返回转换的结果。</a:t>
             </a:r>
-            <a:endParaRPr lang="zh-CN" altLang="en-US"/>
+            <a:endParaRPr lang="zh-CN" altLang="en-US" sz="2400"/>
           </a:p>
         </p:txBody>
       </p:sp>
@@ -3971,55 +5388,38 @@
           <a:bodyPr/>
           <a:p>
             <a:r>
-              <a:rPr lang="en-US" altLang="zh-CN"/>
-              <a:t>Plugins</a:t>
-            </a:r>
-            <a:endParaRPr lang="en-US" altLang="zh-CN"/>
-          </a:p>
-        </p:txBody>
-      </p:sp>
-      <p:sp>
-        <p:nvSpPr>
-          <p:cNvPr id="3" name="内容占位符 2"/>
-          <p:cNvSpPr>
-            <a:spLocks noGrp="1"/>
-          </p:cNvSpPr>
-          <p:nvPr>
-            <p:ph idx="1"/>
-          </p:nvPr>
-        </p:nvSpPr>
-        <p:spPr/>
-        <p:txBody>
-          <a:bodyPr/>
-          <a:p>
-            <a:r>
-              <a:rPr lang="zh-CN" altLang="en-US"/>
-              <a:t>插件⽤于 bundle ⽂件的优化，资源管理和环境变量注⼊</a:t>
-            </a:r>
-            <a:endParaRPr lang="zh-CN" altLang="en-US"/>
-          </a:p>
-          <a:p>
-            <a:r>
-              <a:rPr lang="zh-CN" altLang="en-US"/>
-              <a:t>作⽤于整个构建过程</a:t>
-            </a:r>
-            <a:endParaRPr lang="zh-CN" altLang="en-US"/>
-          </a:p>
-          <a:p>
-            <a:endParaRPr lang="zh-CN" altLang="en-US"/>
-          </a:p>
-          <a:p>
-            <a:endParaRPr lang="zh-CN" altLang="en-US"/>
+              <a:rPr lang="zh-CN" altLang="en-US" sz="2800">
+                <a:latin typeface="+mj-ea"/>
+              </a:rPr>
+              <a:t>常见的</a:t>
+            </a:r>
+            <a:r>
+              <a:rPr lang="en-US" altLang="zh-CN" sz="2800">
+                <a:latin typeface="+mj-ea"/>
+              </a:rPr>
+              <a:t>Loaders</a:t>
+            </a:r>
+            <a:r>
+              <a:rPr lang="zh-CN" altLang="en-US" sz="2800">
+                <a:latin typeface="+mj-ea"/>
+              </a:rPr>
+              <a:t>有哪些</a:t>
+            </a:r>
+            <a:endParaRPr lang="zh-CN" altLang="en-US" sz="2800">
+              <a:latin typeface="+mj-ea"/>
+            </a:endParaRPr>
           </a:p>
         </p:txBody>
       </p:sp>
       <p:pic>
         <p:nvPicPr>
-          <p:cNvPr id="4" name="图片 3"/>
+          <p:cNvPr id="4" name="内容占位符 3"/>
           <p:cNvPicPr>
             <a:picLocks noChangeAspect="1"/>
           </p:cNvPicPr>
-          <p:nvPr/>
+          <p:nvPr>
+            <p:ph idx="1"/>
+          </p:nvPr>
         </p:nvPicPr>
         <p:blipFill>
           <a:blip r:embed="rId1"/>
@@ -4029,8 +5429,8 @@
         </p:blipFill>
         <p:spPr>
           <a:xfrm>
-            <a:off x="970280" y="2994025"/>
-            <a:ext cx="4330700" cy="3524885"/>
+            <a:off x="2859405" y="1691005"/>
+            <a:ext cx="5607685" cy="4351655"/>
           </a:xfrm>
           <a:prstGeom prst="rect">
             <a:avLst/>
@@ -4070,10 +5470,10 @@
           <a:bodyPr/>
           <a:p>
             <a:r>
-              <a:rPr lang="en-US" altLang="zh-CN"/>
-              <a:t>Mode</a:t>
-            </a:r>
-            <a:endParaRPr lang="en-US" altLang="zh-CN"/>
+              <a:rPr lang="en-US" altLang="zh-CN" sz="2800"/>
+              <a:t>Plugins</a:t>
+            </a:r>
+            <a:endParaRPr lang="en-US" altLang="zh-CN" sz="2800"/>
           </a:p>
         </p:txBody>
       </p:sp>
@@ -4091,21 +5491,57 @@
         <p:txBody>
           <a:bodyPr/>
           <a:p>
-            <a:r>
-              <a:rPr lang="zh-CN" altLang="en-US"/>
-              <a:t>Mode ⽤来指定当前的构建环境是：production、development 还是 none</a:t>
-            </a:r>
-            <a:endParaRPr lang="zh-CN" altLang="en-US"/>
-          </a:p>
-          <a:p>
-            <a:r>
-              <a:rPr lang="zh-CN" altLang="en-US"/>
-              <a:t>设置 mode 可以使⽤ webpack 内置的函数，默认值为 production</a:t>
-            </a:r>
-            <a:endParaRPr lang="zh-CN" altLang="en-US"/>
-          </a:p>
-        </p:txBody>
-      </p:sp>
+            <a:pPr marL="0" indent="0">
+              <a:buNone/>
+            </a:pPr>
+            <a:r>
+              <a:rPr lang="zh-CN" altLang="en-US" sz="2400"/>
+              <a:t>插件⽤于 bundle ⽂件的优化，资源管理和环境变量注⼊</a:t>
+            </a:r>
+            <a:endParaRPr lang="zh-CN" altLang="en-US" sz="2400"/>
+          </a:p>
+          <a:p>
+            <a:pPr marL="0" indent="0">
+              <a:buNone/>
+            </a:pPr>
+            <a:r>
+              <a:rPr lang="zh-CN" altLang="en-US" sz="2400"/>
+              <a:t>作⽤于整个构建过程</a:t>
+            </a:r>
+            <a:endParaRPr lang="zh-CN" altLang="en-US" sz="2400"/>
+          </a:p>
+          <a:p>
+            <a:endParaRPr lang="zh-CN" altLang="en-US" sz="2400"/>
+          </a:p>
+          <a:p>
+            <a:endParaRPr lang="zh-CN" altLang="en-US" sz="2400"/>
+          </a:p>
+        </p:txBody>
+      </p:sp>
+      <p:pic>
+        <p:nvPicPr>
+          <p:cNvPr id="4" name="图片 3"/>
+          <p:cNvPicPr>
+            <a:picLocks noChangeAspect="1"/>
+          </p:cNvPicPr>
+          <p:nvPr/>
+        </p:nvPicPr>
+        <p:blipFill>
+          <a:blip r:embed="rId1"/>
+          <a:stretch>
+            <a:fillRect/>
+          </a:stretch>
+        </p:blipFill>
+        <p:spPr>
+          <a:xfrm>
+            <a:off x="944245" y="2652395"/>
+            <a:ext cx="4330700" cy="3524885"/>
+          </a:xfrm>
+          <a:prstGeom prst="rect">
+            <a:avLst/>
+          </a:prstGeom>
+        </p:spPr>
+      </p:pic>
     </p:spTree>
   </p:cSld>
   <p:clrMapOvr>
